--- a/pIRPgym/Extras/Environment structure.pptx
+++ b/pIRPgym/Extras/Environment structure.pptx
@@ -8,8 +8,8 @@
     <p:notesMasterId r:id="rId4"/>
   </p:notesMasterIdLst>
   <p:sldIdLst>
-    <p:sldId id="256" r:id="rId2"/>
-    <p:sldId id="257" r:id="rId3"/>
+    <p:sldId id="257" r:id="rId2"/>
+    <p:sldId id="256" r:id="rId3"/>
   </p:sldIdLst>
   <p:sldSz cx="12192000" cy="6858000"/>
   <p:notesSz cx="6858000" cy="9144000"/>
@@ -198,7 +198,7 @@
           <a:p>
             <a:fld id="{044555AD-4AA1-FA42-8FD3-EB1FC2DBADED}" type="datetimeFigureOut">
               <a:rPr lang="en-US" smtClean="0"/>
-              <a:t>10/16/23</a:t>
+              <a:t>10/26/23</a:t>
             </a:fld>
             <a:endParaRPr lang="en-US"/>
           </a:p>
@@ -530,7 +530,7 @@
           <a:p>
             <a:fld id="{ECBC060B-2A04-0C4D-A678-2D8906F1B1D8}" type="slidenum">
               <a:rPr lang="en-US" smtClean="0"/>
-              <a:t>2</a:t>
+              <a:t>1</a:t>
             </a:fld>
             <a:endParaRPr lang="en-US"/>
           </a:p>
@@ -696,7 +696,7 @@
           <a:p>
             <a:fld id="{F0438D75-6BB9-074B-BA56-18BB868D5A9A}" type="datetimeFigureOut">
               <a:rPr lang="en-US" smtClean="0"/>
-              <a:t>10/16/23</a:t>
+              <a:t>10/26/23</a:t>
             </a:fld>
             <a:endParaRPr lang="en-US"/>
           </a:p>
@@ -894,7 +894,7 @@
           <a:p>
             <a:fld id="{F0438D75-6BB9-074B-BA56-18BB868D5A9A}" type="datetimeFigureOut">
               <a:rPr lang="en-US" smtClean="0"/>
-              <a:t>10/16/23</a:t>
+              <a:t>10/26/23</a:t>
             </a:fld>
             <a:endParaRPr lang="en-US"/>
           </a:p>
@@ -1102,7 +1102,7 @@
           <a:p>
             <a:fld id="{F0438D75-6BB9-074B-BA56-18BB868D5A9A}" type="datetimeFigureOut">
               <a:rPr lang="en-US" smtClean="0"/>
-              <a:t>10/16/23</a:t>
+              <a:t>10/26/23</a:t>
             </a:fld>
             <a:endParaRPr lang="en-US"/>
           </a:p>
@@ -1300,7 +1300,7 @@
           <a:p>
             <a:fld id="{F0438D75-6BB9-074B-BA56-18BB868D5A9A}" type="datetimeFigureOut">
               <a:rPr lang="en-US" smtClean="0"/>
-              <a:t>10/16/23</a:t>
+              <a:t>10/26/23</a:t>
             </a:fld>
             <a:endParaRPr lang="en-US"/>
           </a:p>
@@ -1575,7 +1575,7 @@
           <a:p>
             <a:fld id="{F0438D75-6BB9-074B-BA56-18BB868D5A9A}" type="datetimeFigureOut">
               <a:rPr lang="en-US" smtClean="0"/>
-              <a:t>10/16/23</a:t>
+              <a:t>10/26/23</a:t>
             </a:fld>
             <a:endParaRPr lang="en-US"/>
           </a:p>
@@ -1840,7 +1840,7 @@
           <a:p>
             <a:fld id="{F0438D75-6BB9-074B-BA56-18BB868D5A9A}" type="datetimeFigureOut">
               <a:rPr lang="en-US" smtClean="0"/>
-              <a:t>10/16/23</a:t>
+              <a:t>10/26/23</a:t>
             </a:fld>
             <a:endParaRPr lang="en-US"/>
           </a:p>
@@ -2252,7 +2252,7 @@
           <a:p>
             <a:fld id="{F0438D75-6BB9-074B-BA56-18BB868D5A9A}" type="datetimeFigureOut">
               <a:rPr lang="en-US" smtClean="0"/>
-              <a:t>10/16/23</a:t>
+              <a:t>10/26/23</a:t>
             </a:fld>
             <a:endParaRPr lang="en-US"/>
           </a:p>
@@ -2393,7 +2393,7 @@
           <a:p>
             <a:fld id="{F0438D75-6BB9-074B-BA56-18BB868D5A9A}" type="datetimeFigureOut">
               <a:rPr lang="en-US" smtClean="0"/>
-              <a:t>10/16/23</a:t>
+              <a:t>10/26/23</a:t>
             </a:fld>
             <a:endParaRPr lang="en-US"/>
           </a:p>
@@ -2506,7 +2506,7 @@
           <a:p>
             <a:fld id="{F0438D75-6BB9-074B-BA56-18BB868D5A9A}" type="datetimeFigureOut">
               <a:rPr lang="en-US" smtClean="0"/>
-              <a:t>10/16/23</a:t>
+              <a:t>10/26/23</a:t>
             </a:fld>
             <a:endParaRPr lang="en-US"/>
           </a:p>
@@ -2817,7 +2817,7 @@
           <a:p>
             <a:fld id="{F0438D75-6BB9-074B-BA56-18BB868D5A9A}" type="datetimeFigureOut">
               <a:rPr lang="en-US" smtClean="0"/>
-              <a:t>10/16/23</a:t>
+              <a:t>10/26/23</a:t>
             </a:fld>
             <a:endParaRPr lang="en-US"/>
           </a:p>
@@ -3105,7 +3105,7 @@
           <a:p>
             <a:fld id="{F0438D75-6BB9-074B-BA56-18BB868D5A9A}" type="datetimeFigureOut">
               <a:rPr lang="en-US" smtClean="0"/>
-              <a:t>10/16/23</a:t>
+              <a:t>10/26/23</a:t>
             </a:fld>
             <a:endParaRPr lang="en-US"/>
           </a:p>
@@ -3346,7 +3346,7 @@
           <a:p>
             <a:fld id="{F0438D75-6BB9-074B-BA56-18BB868D5A9A}" type="datetimeFigureOut">
               <a:rPr lang="en-US" smtClean="0"/>
-              <a:t>10/16/23</a:t>
+              <a:t>10/26/23</a:t>
             </a:fld>
             <a:endParaRPr lang="en-US"/>
           </a:p>
@@ -3747,6 +3747,2581 @@
 </file>
 
 <file path=ppt/slides/slide1.xml><?xml version="1.0" encoding="utf-8"?>
+<p:sld xmlns:a="http://schemas.openxmlformats.org/drawingml/2006/main" xmlns:r="http://schemas.openxmlformats.org/officeDocument/2006/relationships" xmlns:p="http://schemas.openxmlformats.org/presentationml/2006/main">
+  <p:cSld>
+    <p:spTree>
+      <p:nvGrpSpPr>
+        <p:cNvPr id="1" name=""/>
+        <p:cNvGrpSpPr/>
+        <p:nvPr/>
+      </p:nvGrpSpPr>
+      <p:grpSpPr>
+        <a:xfrm>
+          <a:off x="0" y="0"/>
+          <a:ext cx="0" cy="0"/>
+          <a:chOff x="0" y="0"/>
+          <a:chExt cx="0" cy="0"/>
+        </a:xfrm>
+      </p:grpSpPr>
+      <p:sp>
+        <p:nvSpPr>
+          <p:cNvPr id="52" name="Rectangle 51">
+            <a:extLst>
+              <a:ext uri="{FF2B5EF4-FFF2-40B4-BE49-F238E27FC236}">
+                <a16:creationId xmlns:a16="http://schemas.microsoft.com/office/drawing/2014/main" id="{D7D77805-B170-E443-9896-35058F8A48CF}"/>
+              </a:ext>
+            </a:extLst>
+          </p:cNvPr>
+          <p:cNvSpPr/>
+          <p:nvPr/>
+        </p:nvSpPr>
+        <p:spPr>
+          <a:xfrm>
+            <a:off x="341937" y="269325"/>
+            <a:ext cx="11461180" cy="6352192"/>
+          </a:xfrm>
+          <a:prstGeom prst="rect">
+            <a:avLst/>
+          </a:prstGeom>
+          <a:noFill/>
+        </p:spPr>
+        <p:style>
+          <a:lnRef idx="2">
+            <a:schemeClr val="accent1">
+              <a:shade val="50000"/>
+            </a:schemeClr>
+          </a:lnRef>
+          <a:fillRef idx="1">
+            <a:schemeClr val="accent1"/>
+          </a:fillRef>
+          <a:effectRef idx="0">
+            <a:schemeClr val="accent1"/>
+          </a:effectRef>
+          <a:fontRef idx="minor">
+            <a:schemeClr val="lt1"/>
+          </a:fontRef>
+        </p:style>
+        <p:txBody>
+          <a:bodyPr rtlCol="0" anchor="ctr"/>
+          <a:lstStyle/>
+          <a:p>
+            <a:pPr algn="ctr"/>
+            <a:endParaRPr lang="en-US" dirty="0">
+              <a:solidFill>
+                <a:schemeClr val="tx1"/>
+              </a:solidFill>
+            </a:endParaRPr>
+          </a:p>
+        </p:txBody>
+      </p:sp>
+      <p:sp>
+        <p:nvSpPr>
+          <p:cNvPr id="53" name="Rectangle 52">
+            <a:extLst>
+              <a:ext uri="{FF2B5EF4-FFF2-40B4-BE49-F238E27FC236}">
+                <a16:creationId xmlns:a16="http://schemas.microsoft.com/office/drawing/2014/main" id="{0B6B1A03-9399-B568-DB79-138AA42602A5}"/>
+              </a:ext>
+            </a:extLst>
+          </p:cNvPr>
+          <p:cNvSpPr/>
+          <p:nvPr/>
+        </p:nvSpPr>
+        <p:spPr>
+          <a:xfrm>
+            <a:off x="4683015" y="116924"/>
+            <a:ext cx="2405556" cy="655584"/>
+          </a:xfrm>
+          <a:prstGeom prst="rect">
+            <a:avLst/>
+          </a:prstGeom>
+          <a:noFill/>
+          <a:ln>
+            <a:noFill/>
+          </a:ln>
+        </p:spPr>
+        <p:style>
+          <a:lnRef idx="2">
+            <a:schemeClr val="accent1">
+              <a:shade val="50000"/>
+            </a:schemeClr>
+          </a:lnRef>
+          <a:fillRef idx="1">
+            <a:schemeClr val="accent1"/>
+          </a:fillRef>
+          <a:effectRef idx="0">
+            <a:schemeClr val="accent1"/>
+          </a:effectRef>
+          <a:fontRef idx="minor">
+            <a:schemeClr val="lt1"/>
+          </a:fontRef>
+        </p:style>
+        <p:txBody>
+          <a:bodyPr rtlCol="0" anchor="ctr"/>
+          <a:lstStyle/>
+          <a:p>
+            <a:pPr algn="ctr"/>
+            <a:r>
+              <a:rPr lang="en-US" b="1" dirty="0">
+                <a:solidFill>
+                  <a:schemeClr val="tx1"/>
+                </a:solidFill>
+              </a:rPr>
+              <a:t>Policy Evaluation</a:t>
+            </a:r>
+          </a:p>
+        </p:txBody>
+      </p:sp>
+      <p:sp>
+        <p:nvSpPr>
+          <p:cNvPr id="113" name="Rectangle 112">
+            <a:extLst>
+              <a:ext uri="{FF2B5EF4-FFF2-40B4-BE49-F238E27FC236}">
+                <a16:creationId xmlns:a16="http://schemas.microsoft.com/office/drawing/2014/main" id="{1883087D-0271-C825-D899-C5E86EE27363}"/>
+              </a:ext>
+            </a:extLst>
+          </p:cNvPr>
+          <p:cNvSpPr/>
+          <p:nvPr/>
+        </p:nvSpPr>
+        <p:spPr>
+          <a:xfrm>
+            <a:off x="10019801" y="667302"/>
+            <a:ext cx="1495756" cy="655584"/>
+          </a:xfrm>
+          <a:prstGeom prst="rect">
+            <a:avLst/>
+          </a:prstGeom>
+          <a:noFill/>
+          <a:ln>
+            <a:noFill/>
+          </a:ln>
+        </p:spPr>
+        <p:style>
+          <a:lnRef idx="2">
+            <a:schemeClr val="accent1">
+              <a:shade val="50000"/>
+            </a:schemeClr>
+          </a:lnRef>
+          <a:fillRef idx="1">
+            <a:schemeClr val="accent1"/>
+          </a:fillRef>
+          <a:effectRef idx="0">
+            <a:schemeClr val="accent1"/>
+          </a:effectRef>
+          <a:fontRef idx="minor">
+            <a:schemeClr val="lt1"/>
+          </a:fontRef>
+        </p:style>
+        <p:txBody>
+          <a:bodyPr rtlCol="0" anchor="ctr"/>
+          <a:lstStyle/>
+          <a:p>
+            <a:pPr algn="ctr"/>
+            <a:r>
+              <a:rPr lang="en-US" dirty="0">
+                <a:solidFill>
+                  <a:srgbClr val="FFC000"/>
+                </a:solidFill>
+              </a:rPr>
+              <a:t>Policies</a:t>
+            </a:r>
+          </a:p>
+        </p:txBody>
+      </p:sp>
+      <p:sp>
+        <p:nvSpPr>
+          <p:cNvPr id="2" name="Rounded Rectangle 1">
+            <a:extLst>
+              <a:ext uri="{FF2B5EF4-FFF2-40B4-BE49-F238E27FC236}">
+                <a16:creationId xmlns:a16="http://schemas.microsoft.com/office/drawing/2014/main" id="{3E11D17A-0AA2-D330-2DB2-4A272ACE0608}"/>
+              </a:ext>
+            </a:extLst>
+          </p:cNvPr>
+          <p:cNvSpPr/>
+          <p:nvPr/>
+        </p:nvSpPr>
+        <p:spPr>
+          <a:xfrm>
+            <a:off x="4874606" y="2939709"/>
+            <a:ext cx="1751039" cy="647451"/>
+          </a:xfrm>
+          <a:prstGeom prst="roundRect">
+            <a:avLst/>
+          </a:prstGeom>
+          <a:noFill/>
+          <a:ln w="28575"/>
+        </p:spPr>
+        <p:style>
+          <a:lnRef idx="2">
+            <a:schemeClr val="accent1">
+              <a:shade val="15000"/>
+            </a:schemeClr>
+          </a:lnRef>
+          <a:fillRef idx="1">
+            <a:schemeClr val="accent1"/>
+          </a:fillRef>
+          <a:effectRef idx="0">
+            <a:schemeClr val="accent1"/>
+          </a:effectRef>
+          <a:fontRef idx="minor">
+            <a:schemeClr val="lt1"/>
+          </a:fontRef>
+        </p:style>
+        <p:txBody>
+          <a:bodyPr rtlCol="0" anchor="ctr"/>
+          <a:lstStyle/>
+          <a:p>
+            <a:pPr algn="ctr"/>
+            <a:r>
+              <a:rPr lang="en-US" b="1" dirty="0">
+                <a:solidFill>
+                  <a:schemeClr val="tx1"/>
+                </a:solidFill>
+              </a:rPr>
+              <a:t>Environment</a:t>
+            </a:r>
+          </a:p>
+        </p:txBody>
+      </p:sp>
+      <p:grpSp>
+        <p:nvGrpSpPr>
+          <p:cNvPr id="151" name="Group 150">
+            <a:extLst>
+              <a:ext uri="{FF2B5EF4-FFF2-40B4-BE49-F238E27FC236}">
+                <a16:creationId xmlns:a16="http://schemas.microsoft.com/office/drawing/2014/main" id="{FF63AB98-E3D0-1163-9144-D6A25CB04818}"/>
+              </a:ext>
+            </a:extLst>
+          </p:cNvPr>
+          <p:cNvGrpSpPr/>
+          <p:nvPr/>
+        </p:nvGrpSpPr>
+        <p:grpSpPr>
+          <a:xfrm>
+            <a:off x="3283029" y="4120531"/>
+            <a:ext cx="2665234" cy="926596"/>
+            <a:chOff x="2839454" y="3502152"/>
+            <a:chExt cx="2665234" cy="926596"/>
+          </a:xfrm>
+        </p:grpSpPr>
+        <p:sp>
+          <p:nvSpPr>
+            <p:cNvPr id="50" name="Rounded Rectangle 49">
+              <a:extLst>
+                <a:ext uri="{FF2B5EF4-FFF2-40B4-BE49-F238E27FC236}">
+                  <a16:creationId xmlns:a16="http://schemas.microsoft.com/office/drawing/2014/main" id="{3DCBF857-DA34-9F5F-5548-D7678E379074}"/>
+                </a:ext>
+              </a:extLst>
+            </p:cNvPr>
+            <p:cNvSpPr/>
+            <p:nvPr/>
+          </p:nvSpPr>
+          <p:spPr>
+            <a:xfrm>
+              <a:off x="2839454" y="3502152"/>
+              <a:ext cx="2665234" cy="926596"/>
+            </a:xfrm>
+            <a:prstGeom prst="roundRect">
+              <a:avLst/>
+            </a:prstGeom>
+            <a:noFill/>
+            <a:ln w="28575"/>
+          </p:spPr>
+          <p:style>
+            <a:lnRef idx="2">
+              <a:schemeClr val="accent1">
+                <a:shade val="15000"/>
+              </a:schemeClr>
+            </a:lnRef>
+            <a:fillRef idx="1">
+              <a:schemeClr val="accent1"/>
+            </a:fillRef>
+            <a:effectRef idx="0">
+              <a:schemeClr val="accent1"/>
+            </a:effectRef>
+            <a:fontRef idx="minor">
+              <a:schemeClr val="lt1"/>
+            </a:fontRef>
+          </p:style>
+          <p:txBody>
+            <a:bodyPr rtlCol="0" anchor="t" anchorCtr="0"/>
+            <a:lstStyle/>
+            <a:p>
+              <a:pPr algn="ctr"/>
+              <a:r>
+                <a:rPr lang="en-US" b="1" dirty="0">
+                  <a:solidFill>
+                    <a:schemeClr val="tx1"/>
+                  </a:solidFill>
+                </a:rPr>
+                <a:t>Transition Blocks</a:t>
+              </a:r>
+            </a:p>
+          </p:txBody>
+        </p:sp>
+        <p:sp>
+          <p:nvSpPr>
+            <p:cNvPr id="54" name="Oval 53">
+              <a:extLst>
+                <a:ext uri="{FF2B5EF4-FFF2-40B4-BE49-F238E27FC236}">
+                  <a16:creationId xmlns:a16="http://schemas.microsoft.com/office/drawing/2014/main" id="{8D7E9438-E355-0E61-69AC-E54514F8B335}"/>
+                </a:ext>
+              </a:extLst>
+            </p:cNvPr>
+            <p:cNvSpPr/>
+            <p:nvPr/>
+          </p:nvSpPr>
+          <p:spPr>
+            <a:xfrm>
+              <a:off x="2900959" y="3881252"/>
+              <a:ext cx="1152535" cy="421298"/>
+            </a:xfrm>
+            <a:prstGeom prst="ellipse">
+              <a:avLst/>
+            </a:prstGeom>
+            <a:noFill/>
+            <a:ln w="12700">
+              <a:solidFill>
+                <a:schemeClr val="tx1"/>
+              </a:solidFill>
+            </a:ln>
+          </p:spPr>
+          <p:style>
+            <a:lnRef idx="2">
+              <a:schemeClr val="accent1">
+                <a:shade val="15000"/>
+              </a:schemeClr>
+            </a:lnRef>
+            <a:fillRef idx="1">
+              <a:schemeClr val="accent1"/>
+            </a:fillRef>
+            <a:effectRef idx="0">
+              <a:schemeClr val="accent1"/>
+            </a:effectRef>
+            <a:fontRef idx="minor">
+              <a:schemeClr val="lt1"/>
+            </a:fontRef>
+          </p:style>
+          <p:txBody>
+            <a:bodyPr rtlCol="0" anchor="ctr"/>
+            <a:lstStyle/>
+            <a:p>
+              <a:pPr algn="ctr"/>
+              <a:r>
+                <a:rPr lang="en-US" sz="1200" dirty="0">
+                  <a:solidFill>
+                    <a:schemeClr val="tx1"/>
+                  </a:solidFill>
+                </a:rPr>
+                <a:t>Inventory</a:t>
+              </a:r>
+            </a:p>
+          </p:txBody>
+        </p:sp>
+        <p:sp>
+          <p:nvSpPr>
+            <p:cNvPr id="55" name="Oval 54">
+              <a:extLst>
+                <a:ext uri="{FF2B5EF4-FFF2-40B4-BE49-F238E27FC236}">
+                  <a16:creationId xmlns:a16="http://schemas.microsoft.com/office/drawing/2014/main" id="{282E5FCB-F24A-36E6-AEFC-9BACEEA7A5BE}"/>
+                </a:ext>
+              </a:extLst>
+            </p:cNvPr>
+            <p:cNvSpPr/>
+            <p:nvPr/>
+          </p:nvSpPr>
+          <p:spPr>
+            <a:xfrm>
+              <a:off x="4279849" y="3900246"/>
+              <a:ext cx="1152535" cy="421298"/>
+            </a:xfrm>
+            <a:prstGeom prst="ellipse">
+              <a:avLst/>
+            </a:prstGeom>
+            <a:noFill/>
+            <a:ln w="12700">
+              <a:solidFill>
+                <a:schemeClr val="tx1"/>
+              </a:solidFill>
+            </a:ln>
+          </p:spPr>
+          <p:style>
+            <a:lnRef idx="2">
+              <a:schemeClr val="accent1">
+                <a:shade val="15000"/>
+              </a:schemeClr>
+            </a:lnRef>
+            <a:fillRef idx="1">
+              <a:schemeClr val="accent1"/>
+            </a:fillRef>
+            <a:effectRef idx="0">
+              <a:schemeClr val="accent1"/>
+            </a:effectRef>
+            <a:fontRef idx="minor">
+              <a:schemeClr val="lt1"/>
+            </a:fontRef>
+          </p:style>
+          <p:txBody>
+            <a:bodyPr rtlCol="0" anchor="ctr"/>
+            <a:lstStyle/>
+            <a:p>
+              <a:pPr algn="ctr"/>
+              <a:r>
+                <a:rPr lang="en-US" sz="1200" dirty="0">
+                  <a:solidFill>
+                    <a:schemeClr val="tx1"/>
+                  </a:solidFill>
+                </a:rPr>
+                <a:t>Routing</a:t>
+              </a:r>
+            </a:p>
+          </p:txBody>
+        </p:sp>
+      </p:grpSp>
+      <p:grpSp>
+        <p:nvGrpSpPr>
+          <p:cNvPr id="150" name="Group 149">
+            <a:extLst>
+              <a:ext uri="{FF2B5EF4-FFF2-40B4-BE49-F238E27FC236}">
+                <a16:creationId xmlns:a16="http://schemas.microsoft.com/office/drawing/2014/main" id="{7F5CC352-F3AD-3C9C-2274-57BE3EFB42C0}"/>
+              </a:ext>
+            </a:extLst>
+          </p:cNvPr>
+          <p:cNvGrpSpPr/>
+          <p:nvPr/>
+        </p:nvGrpSpPr>
+        <p:grpSpPr>
+          <a:xfrm>
+            <a:off x="3758289" y="1314905"/>
+            <a:ext cx="4255008" cy="1066195"/>
+            <a:chOff x="6096001" y="1170485"/>
+            <a:chExt cx="4255008" cy="1066195"/>
+          </a:xfrm>
+        </p:grpSpPr>
+        <p:sp>
+          <p:nvSpPr>
+            <p:cNvPr id="49" name="Rounded Rectangle 48">
+              <a:extLst>
+                <a:ext uri="{FF2B5EF4-FFF2-40B4-BE49-F238E27FC236}">
+                  <a16:creationId xmlns:a16="http://schemas.microsoft.com/office/drawing/2014/main" id="{3B54D7D8-0DE5-2C65-0D24-591510A32DB1}"/>
+                </a:ext>
+              </a:extLst>
+            </p:cNvPr>
+            <p:cNvSpPr/>
+            <p:nvPr/>
+          </p:nvSpPr>
+          <p:spPr>
+            <a:xfrm>
+              <a:off x="6096001" y="1170485"/>
+              <a:ext cx="4255008" cy="1066195"/>
+            </a:xfrm>
+            <a:prstGeom prst="roundRect">
+              <a:avLst/>
+            </a:prstGeom>
+            <a:noFill/>
+            <a:ln w="28575"/>
+          </p:spPr>
+          <p:style>
+            <a:lnRef idx="2">
+              <a:schemeClr val="accent1">
+                <a:shade val="15000"/>
+              </a:schemeClr>
+            </a:lnRef>
+            <a:fillRef idx="1">
+              <a:schemeClr val="accent1"/>
+            </a:fillRef>
+            <a:effectRef idx="0">
+              <a:schemeClr val="accent1"/>
+            </a:effectRef>
+            <a:fontRef idx="minor">
+              <a:schemeClr val="lt1"/>
+            </a:fontRef>
+          </p:style>
+          <p:txBody>
+            <a:bodyPr rtlCol="0" anchor="t" anchorCtr="0"/>
+            <a:lstStyle/>
+            <a:p>
+              <a:pPr algn="ctr"/>
+              <a:r>
+                <a:rPr lang="en-US" b="1" dirty="0">
+                  <a:solidFill>
+                    <a:schemeClr val="tx1"/>
+                  </a:solidFill>
+                </a:rPr>
+                <a:t>Policies</a:t>
+              </a:r>
+            </a:p>
+          </p:txBody>
+        </p:sp>
+        <p:sp>
+          <p:nvSpPr>
+            <p:cNvPr id="109" name="Oval 108">
+              <a:extLst>
+                <a:ext uri="{FF2B5EF4-FFF2-40B4-BE49-F238E27FC236}">
+                  <a16:creationId xmlns:a16="http://schemas.microsoft.com/office/drawing/2014/main" id="{8F411FA5-6145-5ADC-6E04-70087EC0D25D}"/>
+                </a:ext>
+              </a:extLst>
+            </p:cNvPr>
+            <p:cNvSpPr/>
+            <p:nvPr/>
+          </p:nvSpPr>
+          <p:spPr>
+            <a:xfrm>
+              <a:off x="9081636" y="1624482"/>
+              <a:ext cx="1152535" cy="421298"/>
+            </a:xfrm>
+            <a:prstGeom prst="ellipse">
+              <a:avLst/>
+            </a:prstGeom>
+            <a:noFill/>
+            <a:ln w="12700">
+              <a:solidFill>
+                <a:schemeClr val="tx1"/>
+              </a:solidFill>
+            </a:ln>
+          </p:spPr>
+          <p:style>
+            <a:lnRef idx="2">
+              <a:schemeClr val="accent1">
+                <a:shade val="15000"/>
+              </a:schemeClr>
+            </a:lnRef>
+            <a:fillRef idx="1">
+              <a:schemeClr val="accent1"/>
+            </a:fillRef>
+            <a:effectRef idx="0">
+              <a:schemeClr val="accent1"/>
+            </a:effectRef>
+            <a:fontRef idx="minor">
+              <a:schemeClr val="lt1"/>
+            </a:fontRef>
+          </p:style>
+          <p:txBody>
+            <a:bodyPr rtlCol="0" anchor="ctr"/>
+            <a:lstStyle/>
+            <a:p>
+              <a:pPr algn="ctr"/>
+              <a:r>
+                <a:rPr lang="en-US" sz="1200" dirty="0">
+                  <a:solidFill>
+                    <a:schemeClr val="tx1"/>
+                  </a:solidFill>
+                </a:rPr>
+                <a:t>Routing</a:t>
+              </a:r>
+            </a:p>
+          </p:txBody>
+        </p:sp>
+        <p:sp>
+          <p:nvSpPr>
+            <p:cNvPr id="110" name="Oval 109">
+              <a:extLst>
+                <a:ext uri="{FF2B5EF4-FFF2-40B4-BE49-F238E27FC236}">
+                  <a16:creationId xmlns:a16="http://schemas.microsoft.com/office/drawing/2014/main" id="{506F9F92-1194-1209-0955-24F1123EE390}"/>
+                </a:ext>
+              </a:extLst>
+            </p:cNvPr>
+            <p:cNvSpPr/>
+            <p:nvPr/>
+          </p:nvSpPr>
+          <p:spPr>
+            <a:xfrm>
+              <a:off x="6151204" y="1613853"/>
+              <a:ext cx="1234248" cy="442557"/>
+            </a:xfrm>
+            <a:prstGeom prst="ellipse">
+              <a:avLst/>
+            </a:prstGeom>
+            <a:noFill/>
+            <a:ln w="12700">
+              <a:solidFill>
+                <a:schemeClr val="tx1"/>
+              </a:solidFill>
+            </a:ln>
+          </p:spPr>
+          <p:style>
+            <a:lnRef idx="2">
+              <a:schemeClr val="accent1">
+                <a:shade val="15000"/>
+              </a:schemeClr>
+            </a:lnRef>
+            <a:fillRef idx="1">
+              <a:schemeClr val="accent1"/>
+            </a:fillRef>
+            <a:effectRef idx="0">
+              <a:schemeClr val="accent1"/>
+            </a:effectRef>
+            <a:fontRef idx="minor">
+              <a:schemeClr val="lt1"/>
+            </a:fontRef>
+          </p:style>
+          <p:txBody>
+            <a:bodyPr rtlCol="0" anchor="ctr"/>
+            <a:lstStyle/>
+            <a:p>
+              <a:pPr algn="ctr"/>
+              <a:r>
+                <a:rPr lang="en-US" sz="1200" dirty="0">
+                  <a:solidFill>
+                    <a:schemeClr val="tx1"/>
+                  </a:solidFill>
+                </a:rPr>
+                <a:t>Purchasing</a:t>
+              </a:r>
+            </a:p>
+          </p:txBody>
+        </p:sp>
+        <p:sp>
+          <p:nvSpPr>
+            <p:cNvPr id="114" name="Oval 113">
+              <a:extLst>
+                <a:ext uri="{FF2B5EF4-FFF2-40B4-BE49-F238E27FC236}">
+                  <a16:creationId xmlns:a16="http://schemas.microsoft.com/office/drawing/2014/main" id="{64B1E67F-8F9C-00BA-58CA-E90BCC9EC367}"/>
+                </a:ext>
+              </a:extLst>
+            </p:cNvPr>
+            <p:cNvSpPr/>
+            <p:nvPr/>
+          </p:nvSpPr>
+          <p:spPr>
+            <a:xfrm>
+              <a:off x="7503731" y="1574151"/>
+              <a:ext cx="1459626" cy="551701"/>
+            </a:xfrm>
+            <a:prstGeom prst="ellipse">
+              <a:avLst/>
+            </a:prstGeom>
+            <a:noFill/>
+            <a:ln w="12700">
+              <a:solidFill>
+                <a:schemeClr val="tx1"/>
+              </a:solidFill>
+            </a:ln>
+          </p:spPr>
+          <p:style>
+            <a:lnRef idx="2">
+              <a:schemeClr val="accent1">
+                <a:shade val="15000"/>
+              </a:schemeClr>
+            </a:lnRef>
+            <a:fillRef idx="1">
+              <a:schemeClr val="accent1"/>
+            </a:fillRef>
+            <a:effectRef idx="0">
+              <a:schemeClr val="accent1"/>
+            </a:effectRef>
+            <a:fontRef idx="minor">
+              <a:schemeClr val="lt1"/>
+            </a:fontRef>
+          </p:style>
+          <p:txBody>
+            <a:bodyPr rtlCol="0" anchor="ctr"/>
+            <a:lstStyle/>
+            <a:p>
+              <a:pPr algn="ctr"/>
+              <a:r>
+                <a:rPr lang="en-US" sz="1200" dirty="0">
+                  <a:solidFill>
+                    <a:schemeClr val="tx1"/>
+                  </a:solidFill>
+                </a:rPr>
+                <a:t>Inventory Management</a:t>
+              </a:r>
+            </a:p>
+          </p:txBody>
+        </p:sp>
+      </p:grpSp>
+      <p:grpSp>
+        <p:nvGrpSpPr>
+          <p:cNvPr id="132" name="Group 131">
+            <a:extLst>
+              <a:ext uri="{FF2B5EF4-FFF2-40B4-BE49-F238E27FC236}">
+                <a16:creationId xmlns:a16="http://schemas.microsoft.com/office/drawing/2014/main" id="{CABFF8F2-A688-A8F5-EB9B-2C43C7CD1411}"/>
+              </a:ext>
+            </a:extLst>
+          </p:cNvPr>
+          <p:cNvGrpSpPr/>
+          <p:nvPr/>
+        </p:nvGrpSpPr>
+        <p:grpSpPr>
+          <a:xfrm>
+            <a:off x="6421883" y="3741714"/>
+            <a:ext cx="2784166" cy="1477616"/>
+            <a:chOff x="4687892" y="3416848"/>
+            <a:chExt cx="2784166" cy="1477616"/>
+          </a:xfrm>
+        </p:grpSpPr>
+        <p:sp>
+          <p:nvSpPr>
+            <p:cNvPr id="14" name="Rounded Rectangle 13">
+              <a:extLst>
+                <a:ext uri="{FF2B5EF4-FFF2-40B4-BE49-F238E27FC236}">
+                  <a16:creationId xmlns:a16="http://schemas.microsoft.com/office/drawing/2014/main" id="{8921A3EB-C498-363D-A30E-D43CB2914FEC}"/>
+                </a:ext>
+              </a:extLst>
+            </p:cNvPr>
+            <p:cNvSpPr/>
+            <p:nvPr/>
+          </p:nvSpPr>
+          <p:spPr>
+            <a:xfrm>
+              <a:off x="4687892" y="3416848"/>
+              <a:ext cx="2784166" cy="1477616"/>
+            </a:xfrm>
+            <a:prstGeom prst="roundRect">
+              <a:avLst/>
+            </a:prstGeom>
+            <a:noFill/>
+            <a:ln w="28575"/>
+          </p:spPr>
+          <p:style>
+            <a:lnRef idx="2">
+              <a:schemeClr val="accent1">
+                <a:shade val="15000"/>
+              </a:schemeClr>
+            </a:lnRef>
+            <a:fillRef idx="1">
+              <a:schemeClr val="accent1"/>
+            </a:fillRef>
+            <a:effectRef idx="0">
+              <a:schemeClr val="accent1"/>
+            </a:effectRef>
+            <a:fontRef idx="minor">
+              <a:schemeClr val="lt1"/>
+            </a:fontRef>
+          </p:style>
+          <p:txBody>
+            <a:bodyPr rtlCol="0" anchor="t" anchorCtr="0"/>
+            <a:lstStyle/>
+            <a:p>
+              <a:pPr algn="ctr"/>
+              <a:r>
+                <a:rPr lang="en-US" b="1" dirty="0">
+                  <a:solidFill>
+                    <a:schemeClr val="tx1"/>
+                  </a:solidFill>
+                </a:rPr>
+                <a:t>Instance</a:t>
+              </a:r>
+              <a:r>
+                <a:rPr lang="en-US" dirty="0">
+                  <a:solidFill>
+                    <a:schemeClr val="tx1"/>
+                  </a:solidFill>
+                </a:rPr>
+                <a:t> </a:t>
+              </a:r>
+              <a:r>
+                <a:rPr lang="en-US" b="1" dirty="0">
+                  <a:solidFill>
+                    <a:schemeClr val="tx1"/>
+                  </a:solidFill>
+                </a:rPr>
+                <a:t>Generator</a:t>
+              </a:r>
+            </a:p>
+          </p:txBody>
+        </p:sp>
+        <p:sp>
+          <p:nvSpPr>
+            <p:cNvPr id="115" name="Oval 114">
+              <a:extLst>
+                <a:ext uri="{FF2B5EF4-FFF2-40B4-BE49-F238E27FC236}">
+                  <a16:creationId xmlns:a16="http://schemas.microsoft.com/office/drawing/2014/main" id="{97679D10-D68C-7273-81ED-F3117F275521}"/>
+                </a:ext>
+              </a:extLst>
+            </p:cNvPr>
+            <p:cNvSpPr/>
+            <p:nvPr/>
+          </p:nvSpPr>
+          <p:spPr>
+            <a:xfrm>
+              <a:off x="6163546" y="3853383"/>
+              <a:ext cx="1152535" cy="421298"/>
+            </a:xfrm>
+            <a:prstGeom prst="ellipse">
+              <a:avLst/>
+            </a:prstGeom>
+            <a:noFill/>
+            <a:ln w="12700">
+              <a:solidFill>
+                <a:schemeClr val="tx1"/>
+              </a:solidFill>
+            </a:ln>
+          </p:spPr>
+          <p:style>
+            <a:lnRef idx="2">
+              <a:schemeClr val="accent1">
+                <a:shade val="15000"/>
+              </a:schemeClr>
+            </a:lnRef>
+            <a:fillRef idx="1">
+              <a:schemeClr val="accent1"/>
+            </a:fillRef>
+            <a:effectRef idx="0">
+              <a:schemeClr val="accent1"/>
+            </a:effectRef>
+            <a:fontRef idx="minor">
+              <a:schemeClr val="lt1"/>
+            </a:fontRef>
+          </p:style>
+          <p:txBody>
+            <a:bodyPr rtlCol="0" anchor="ctr"/>
+            <a:lstStyle/>
+            <a:p>
+              <a:pPr algn="ctr"/>
+              <a:r>
+                <a:rPr lang="en-US" sz="1200" dirty="0">
+                  <a:solidFill>
+                    <a:schemeClr val="tx1"/>
+                  </a:solidFill>
+                </a:rPr>
+                <a:t>Costs</a:t>
+              </a:r>
+            </a:p>
+          </p:txBody>
+        </p:sp>
+        <p:sp>
+          <p:nvSpPr>
+            <p:cNvPr id="116" name="Oval 115">
+              <a:extLst>
+                <a:ext uri="{FF2B5EF4-FFF2-40B4-BE49-F238E27FC236}">
+                  <a16:creationId xmlns:a16="http://schemas.microsoft.com/office/drawing/2014/main" id="{566FA4D4-988F-4BE2-3488-81C33943268F}"/>
+                </a:ext>
+              </a:extLst>
+            </p:cNvPr>
+            <p:cNvSpPr/>
+            <p:nvPr/>
+          </p:nvSpPr>
+          <p:spPr>
+            <a:xfrm>
+              <a:off x="6162111" y="4360207"/>
+              <a:ext cx="1152535" cy="421298"/>
+            </a:xfrm>
+            <a:prstGeom prst="ellipse">
+              <a:avLst/>
+            </a:prstGeom>
+            <a:noFill/>
+            <a:ln w="12700">
+              <a:solidFill>
+                <a:schemeClr val="tx1"/>
+              </a:solidFill>
+            </a:ln>
+          </p:spPr>
+          <p:style>
+            <a:lnRef idx="2">
+              <a:schemeClr val="accent1">
+                <a:shade val="15000"/>
+              </a:schemeClr>
+            </a:lnRef>
+            <a:fillRef idx="1">
+              <a:schemeClr val="accent1"/>
+            </a:fillRef>
+            <a:effectRef idx="0">
+              <a:schemeClr val="accent1"/>
+            </a:effectRef>
+            <a:fontRef idx="minor">
+              <a:schemeClr val="lt1"/>
+            </a:fontRef>
+          </p:style>
+          <p:txBody>
+            <a:bodyPr rtlCol="0" anchor="ctr"/>
+            <a:lstStyle/>
+            <a:p>
+              <a:pPr algn="ctr"/>
+              <a:r>
+                <a:rPr lang="en-US" sz="1200" dirty="0">
+                  <a:solidFill>
+                    <a:schemeClr val="tx1"/>
+                  </a:solidFill>
+                </a:rPr>
+                <a:t>Demand</a:t>
+              </a:r>
+            </a:p>
+          </p:txBody>
+        </p:sp>
+        <p:sp>
+          <p:nvSpPr>
+            <p:cNvPr id="117" name="Oval 116">
+              <a:extLst>
+                <a:ext uri="{FF2B5EF4-FFF2-40B4-BE49-F238E27FC236}">
+                  <a16:creationId xmlns:a16="http://schemas.microsoft.com/office/drawing/2014/main" id="{B39EFE14-C39F-819F-6CF7-C9294968F434}"/>
+                </a:ext>
+              </a:extLst>
+            </p:cNvPr>
+            <p:cNvSpPr/>
+            <p:nvPr/>
+          </p:nvSpPr>
+          <p:spPr>
+            <a:xfrm>
+              <a:off x="4855586" y="4360207"/>
+              <a:ext cx="1152535" cy="421298"/>
+            </a:xfrm>
+            <a:prstGeom prst="ellipse">
+              <a:avLst/>
+            </a:prstGeom>
+            <a:noFill/>
+            <a:ln w="12700">
+              <a:solidFill>
+                <a:schemeClr val="tx1"/>
+              </a:solidFill>
+            </a:ln>
+          </p:spPr>
+          <p:style>
+            <a:lnRef idx="2">
+              <a:schemeClr val="accent1">
+                <a:shade val="15000"/>
+              </a:schemeClr>
+            </a:lnRef>
+            <a:fillRef idx="1">
+              <a:schemeClr val="accent1"/>
+            </a:fillRef>
+            <a:effectRef idx="0">
+              <a:schemeClr val="accent1"/>
+            </a:effectRef>
+            <a:fontRef idx="minor">
+              <a:schemeClr val="lt1"/>
+            </a:fontRef>
+          </p:style>
+          <p:txBody>
+            <a:bodyPr rtlCol="0" anchor="ctr"/>
+            <a:lstStyle/>
+            <a:p>
+              <a:pPr algn="ctr"/>
+              <a:r>
+                <a:rPr lang="en-US" sz="1200" dirty="0">
+                  <a:solidFill>
+                    <a:schemeClr val="tx1"/>
+                  </a:solidFill>
+                </a:rPr>
+                <a:t>Offer</a:t>
+              </a:r>
+            </a:p>
+          </p:txBody>
+        </p:sp>
+        <p:sp>
+          <p:nvSpPr>
+            <p:cNvPr id="118" name="Oval 117">
+              <a:extLst>
+                <a:ext uri="{FF2B5EF4-FFF2-40B4-BE49-F238E27FC236}">
+                  <a16:creationId xmlns:a16="http://schemas.microsoft.com/office/drawing/2014/main" id="{B5B1BE38-785E-E66A-15E0-80339DCB115A}"/>
+                </a:ext>
+              </a:extLst>
+            </p:cNvPr>
+            <p:cNvSpPr/>
+            <p:nvPr/>
+          </p:nvSpPr>
+          <p:spPr>
+            <a:xfrm>
+              <a:off x="4849452" y="3853383"/>
+              <a:ext cx="1152535" cy="421298"/>
+            </a:xfrm>
+            <a:prstGeom prst="ellipse">
+              <a:avLst/>
+            </a:prstGeom>
+            <a:noFill/>
+            <a:ln w="12700">
+              <a:solidFill>
+                <a:schemeClr val="tx1"/>
+              </a:solidFill>
+            </a:ln>
+          </p:spPr>
+          <p:style>
+            <a:lnRef idx="2">
+              <a:schemeClr val="accent1">
+                <a:shade val="15000"/>
+              </a:schemeClr>
+            </a:lnRef>
+            <a:fillRef idx="1">
+              <a:schemeClr val="accent1"/>
+            </a:fillRef>
+            <a:effectRef idx="0">
+              <a:schemeClr val="accent1"/>
+            </a:effectRef>
+            <a:fontRef idx="minor">
+              <a:schemeClr val="lt1"/>
+            </a:fontRef>
+          </p:style>
+          <p:txBody>
+            <a:bodyPr rtlCol="0" anchor="ctr"/>
+            <a:lstStyle/>
+            <a:p>
+              <a:pPr algn="ctr"/>
+              <a:r>
+                <a:rPr lang="en-US" sz="1200" dirty="0">
+                  <a:solidFill>
+                    <a:schemeClr val="tx1"/>
+                  </a:solidFill>
+                </a:rPr>
+                <a:t>Locations</a:t>
+              </a:r>
+            </a:p>
+          </p:txBody>
+        </p:sp>
+      </p:grpSp>
+      <p:cxnSp>
+        <p:nvCxnSpPr>
+          <p:cNvPr id="153" name="Straight Connector 152">
+            <a:extLst>
+              <a:ext uri="{FF2B5EF4-FFF2-40B4-BE49-F238E27FC236}">
+                <a16:creationId xmlns:a16="http://schemas.microsoft.com/office/drawing/2014/main" id="{8C7E532F-DD61-26B9-CC10-F523162DFA12}"/>
+              </a:ext>
+            </a:extLst>
+          </p:cNvPr>
+          <p:cNvCxnSpPr>
+            <a:cxnSpLocks/>
+          </p:cNvCxnSpPr>
+          <p:nvPr/>
+        </p:nvCxnSpPr>
+        <p:spPr>
+          <a:xfrm flipH="1">
+            <a:off x="3054095" y="3370203"/>
+            <a:ext cx="1800000" cy="0"/>
+          </a:xfrm>
+          <a:prstGeom prst="line">
+            <a:avLst/>
+          </a:prstGeom>
+          <a:ln w="28575">
+            <a:solidFill>
+              <a:schemeClr val="tx1"/>
+            </a:solidFill>
+          </a:ln>
+        </p:spPr>
+        <p:style>
+          <a:lnRef idx="1">
+            <a:schemeClr val="accent1"/>
+          </a:lnRef>
+          <a:fillRef idx="0">
+            <a:schemeClr val="accent1"/>
+          </a:fillRef>
+          <a:effectRef idx="0">
+            <a:schemeClr val="accent1"/>
+          </a:effectRef>
+          <a:fontRef idx="minor">
+            <a:schemeClr val="tx1"/>
+          </a:fontRef>
+        </p:style>
+      </p:cxnSp>
+      <p:cxnSp>
+        <p:nvCxnSpPr>
+          <p:cNvPr id="154" name="Straight Connector 153">
+            <a:extLst>
+              <a:ext uri="{FF2B5EF4-FFF2-40B4-BE49-F238E27FC236}">
+                <a16:creationId xmlns:a16="http://schemas.microsoft.com/office/drawing/2014/main" id="{9C6D9F1E-DEE8-6C72-7019-B4DF9ED07D7C}"/>
+              </a:ext>
+            </a:extLst>
+          </p:cNvPr>
+          <p:cNvCxnSpPr>
+            <a:cxnSpLocks/>
+          </p:cNvCxnSpPr>
+          <p:nvPr/>
+        </p:nvCxnSpPr>
+        <p:spPr>
+          <a:xfrm>
+            <a:off x="3053318" y="1611296"/>
+            <a:ext cx="1" cy="1771200"/>
+          </a:xfrm>
+          <a:prstGeom prst="line">
+            <a:avLst/>
+          </a:prstGeom>
+          <a:ln w="28575">
+            <a:solidFill>
+              <a:schemeClr val="tx1"/>
+            </a:solidFill>
+          </a:ln>
+        </p:spPr>
+        <p:style>
+          <a:lnRef idx="1">
+            <a:schemeClr val="accent1"/>
+          </a:lnRef>
+          <a:fillRef idx="0">
+            <a:schemeClr val="accent1"/>
+          </a:fillRef>
+          <a:effectRef idx="0">
+            <a:schemeClr val="accent1"/>
+          </a:effectRef>
+          <a:fontRef idx="minor">
+            <a:schemeClr val="tx1"/>
+          </a:fontRef>
+        </p:style>
+      </p:cxnSp>
+      <p:cxnSp>
+        <p:nvCxnSpPr>
+          <p:cNvPr id="157" name="Straight Connector 156">
+            <a:extLst>
+              <a:ext uri="{FF2B5EF4-FFF2-40B4-BE49-F238E27FC236}">
+                <a16:creationId xmlns:a16="http://schemas.microsoft.com/office/drawing/2014/main" id="{63A608DF-49F7-81C3-46FA-1F7622C30E67}"/>
+              </a:ext>
+            </a:extLst>
+          </p:cNvPr>
+          <p:cNvCxnSpPr>
+            <a:cxnSpLocks/>
+          </p:cNvCxnSpPr>
+          <p:nvPr/>
+        </p:nvCxnSpPr>
+        <p:spPr>
+          <a:xfrm flipH="1" flipV="1">
+            <a:off x="3054095" y="1620886"/>
+            <a:ext cx="720000" cy="0"/>
+          </a:xfrm>
+          <a:prstGeom prst="line">
+            <a:avLst/>
+          </a:prstGeom>
+          <a:ln w="28575">
+            <a:solidFill>
+              <a:schemeClr val="tx1"/>
+            </a:solidFill>
+            <a:headEnd type="triangle" w="med" len="med"/>
+            <a:tailEnd type="none" w="med" len="med"/>
+          </a:ln>
+        </p:spPr>
+        <p:style>
+          <a:lnRef idx="1">
+            <a:schemeClr val="accent1"/>
+          </a:lnRef>
+          <a:fillRef idx="0">
+            <a:schemeClr val="accent1"/>
+          </a:fillRef>
+          <a:effectRef idx="0">
+            <a:schemeClr val="accent1"/>
+          </a:effectRef>
+          <a:fontRef idx="minor">
+            <a:schemeClr val="tx1"/>
+          </a:fontRef>
+        </p:style>
+      </p:cxnSp>
+      <p:cxnSp>
+        <p:nvCxnSpPr>
+          <p:cNvPr id="161" name="Straight Connector 160">
+            <a:extLst>
+              <a:ext uri="{FF2B5EF4-FFF2-40B4-BE49-F238E27FC236}">
+                <a16:creationId xmlns:a16="http://schemas.microsoft.com/office/drawing/2014/main" id="{3A7EF99D-E1FE-6E2D-523E-0C4ED06012BE}"/>
+              </a:ext>
+            </a:extLst>
+          </p:cNvPr>
+          <p:cNvCxnSpPr>
+            <a:cxnSpLocks/>
+            <a:endCxn id="2" idx="3"/>
+          </p:cNvCxnSpPr>
+          <p:nvPr/>
+        </p:nvCxnSpPr>
+        <p:spPr>
+          <a:xfrm flipH="1">
+            <a:off x="6625645" y="3263435"/>
+            <a:ext cx="2180027" cy="0"/>
+          </a:xfrm>
+          <a:prstGeom prst="line">
+            <a:avLst/>
+          </a:prstGeom>
+          <a:ln w="28575">
+            <a:solidFill>
+              <a:schemeClr val="tx1"/>
+            </a:solidFill>
+            <a:headEnd type="none" w="med" len="med"/>
+            <a:tailEnd type="triangle" w="med" len="med"/>
+          </a:ln>
+        </p:spPr>
+        <p:style>
+          <a:lnRef idx="1">
+            <a:schemeClr val="accent1"/>
+          </a:lnRef>
+          <a:fillRef idx="0">
+            <a:schemeClr val="accent1"/>
+          </a:fillRef>
+          <a:effectRef idx="0">
+            <a:schemeClr val="accent1"/>
+          </a:effectRef>
+          <a:fontRef idx="minor">
+            <a:schemeClr val="tx1"/>
+          </a:fontRef>
+        </p:style>
+      </p:cxnSp>
+      <p:cxnSp>
+        <p:nvCxnSpPr>
+          <p:cNvPr id="164" name="Straight Connector 163">
+            <a:extLst>
+              <a:ext uri="{FF2B5EF4-FFF2-40B4-BE49-F238E27FC236}">
+                <a16:creationId xmlns:a16="http://schemas.microsoft.com/office/drawing/2014/main" id="{27E78BE7-D1F0-FC8D-5FC2-28B676E73A9A}"/>
+              </a:ext>
+            </a:extLst>
+          </p:cNvPr>
+          <p:cNvCxnSpPr>
+            <a:cxnSpLocks/>
+            <a:endCxn id="49" idx="3"/>
+          </p:cNvCxnSpPr>
+          <p:nvPr/>
+        </p:nvCxnSpPr>
+        <p:spPr>
+          <a:xfrm flipH="1">
+            <a:off x="8013297" y="1830748"/>
+            <a:ext cx="792375" cy="17255"/>
+          </a:xfrm>
+          <a:prstGeom prst="line">
+            <a:avLst/>
+          </a:prstGeom>
+          <a:ln w="28575">
+            <a:solidFill>
+              <a:schemeClr val="tx1"/>
+            </a:solidFill>
+          </a:ln>
+        </p:spPr>
+        <p:style>
+          <a:lnRef idx="1">
+            <a:schemeClr val="accent1"/>
+          </a:lnRef>
+          <a:fillRef idx="0">
+            <a:schemeClr val="accent1"/>
+          </a:fillRef>
+          <a:effectRef idx="0">
+            <a:schemeClr val="accent1"/>
+          </a:effectRef>
+          <a:fontRef idx="minor">
+            <a:schemeClr val="tx1"/>
+          </a:fontRef>
+        </p:style>
+      </p:cxnSp>
+      <p:cxnSp>
+        <p:nvCxnSpPr>
+          <p:cNvPr id="167" name="Straight Connector 166">
+            <a:extLst>
+              <a:ext uri="{FF2B5EF4-FFF2-40B4-BE49-F238E27FC236}">
+                <a16:creationId xmlns:a16="http://schemas.microsoft.com/office/drawing/2014/main" id="{91852D0B-4ABD-34A9-4B4D-0ED1BBF1FD03}"/>
+              </a:ext>
+            </a:extLst>
+          </p:cNvPr>
+          <p:cNvCxnSpPr>
+            <a:cxnSpLocks/>
+          </p:cNvCxnSpPr>
+          <p:nvPr/>
+        </p:nvCxnSpPr>
+        <p:spPr>
+          <a:xfrm>
+            <a:off x="8805672" y="1818046"/>
+            <a:ext cx="0" cy="1458000"/>
+          </a:xfrm>
+          <a:prstGeom prst="line">
+            <a:avLst/>
+          </a:prstGeom>
+          <a:ln w="28575">
+            <a:solidFill>
+              <a:schemeClr val="tx1"/>
+            </a:solidFill>
+          </a:ln>
+        </p:spPr>
+        <p:style>
+          <a:lnRef idx="1">
+            <a:schemeClr val="accent1"/>
+          </a:lnRef>
+          <a:fillRef idx="0">
+            <a:schemeClr val="accent1"/>
+          </a:fillRef>
+          <a:effectRef idx="0">
+            <a:schemeClr val="accent1"/>
+          </a:effectRef>
+          <a:fontRef idx="minor">
+            <a:schemeClr val="tx1"/>
+          </a:fontRef>
+        </p:style>
+      </p:cxnSp>
+      <p:cxnSp>
+        <p:nvCxnSpPr>
+          <p:cNvPr id="177" name="Straight Connector 176">
+            <a:extLst>
+              <a:ext uri="{FF2B5EF4-FFF2-40B4-BE49-F238E27FC236}">
+                <a16:creationId xmlns:a16="http://schemas.microsoft.com/office/drawing/2014/main" id="{04E62E52-7BF3-6F8C-F7E9-724FD00E6BE3}"/>
+              </a:ext>
+            </a:extLst>
+          </p:cNvPr>
+          <p:cNvCxnSpPr>
+            <a:cxnSpLocks/>
+          </p:cNvCxnSpPr>
+          <p:nvPr/>
+        </p:nvCxnSpPr>
+        <p:spPr>
+          <a:xfrm>
+            <a:off x="5555764" y="3601730"/>
+            <a:ext cx="0" cy="518801"/>
+          </a:xfrm>
+          <a:prstGeom prst="line">
+            <a:avLst/>
+          </a:prstGeom>
+          <a:ln w="28575">
+            <a:solidFill>
+              <a:schemeClr val="tx1"/>
+            </a:solidFill>
+            <a:headEnd type="none" w="med" len="med"/>
+            <a:tailEnd type="triangle" w="med" len="med"/>
+          </a:ln>
+        </p:spPr>
+        <p:style>
+          <a:lnRef idx="1">
+            <a:schemeClr val="accent1"/>
+          </a:lnRef>
+          <a:fillRef idx="0">
+            <a:schemeClr val="accent1"/>
+          </a:fillRef>
+          <a:effectRef idx="0">
+            <a:schemeClr val="accent1"/>
+          </a:effectRef>
+          <a:fontRef idx="minor">
+            <a:schemeClr val="tx1"/>
+          </a:fontRef>
+        </p:style>
+      </p:cxnSp>
+      <p:cxnSp>
+        <p:nvCxnSpPr>
+          <p:cNvPr id="192" name="Straight Connector 191">
+            <a:extLst>
+              <a:ext uri="{FF2B5EF4-FFF2-40B4-BE49-F238E27FC236}">
+                <a16:creationId xmlns:a16="http://schemas.microsoft.com/office/drawing/2014/main" id="{EE23B8E7-BF66-1719-FF10-6C2A06736A51}"/>
+              </a:ext>
+            </a:extLst>
+          </p:cNvPr>
+          <p:cNvCxnSpPr>
+            <a:cxnSpLocks/>
+          </p:cNvCxnSpPr>
+          <p:nvPr/>
+        </p:nvCxnSpPr>
+        <p:spPr>
+          <a:xfrm flipH="1" flipV="1">
+            <a:off x="6625645" y="3438101"/>
+            <a:ext cx="374539" cy="301460"/>
+          </a:xfrm>
+          <a:prstGeom prst="line">
+            <a:avLst/>
+          </a:prstGeom>
+          <a:ln w="28575">
+            <a:solidFill>
+              <a:schemeClr val="tx1"/>
+            </a:solidFill>
+            <a:prstDash val="sysDot"/>
+            <a:headEnd type="none" w="med" len="med"/>
+            <a:tailEnd type="triangle" w="med" len="med"/>
+          </a:ln>
+        </p:spPr>
+        <p:style>
+          <a:lnRef idx="1">
+            <a:schemeClr val="accent1"/>
+          </a:lnRef>
+          <a:fillRef idx="0">
+            <a:schemeClr val="accent1"/>
+          </a:fillRef>
+          <a:effectRef idx="0">
+            <a:schemeClr val="accent1"/>
+          </a:effectRef>
+          <a:fontRef idx="minor">
+            <a:schemeClr val="tx1"/>
+          </a:fontRef>
+        </p:style>
+      </p:cxnSp>
+      <mc:AlternateContent xmlns:mc="http://schemas.openxmlformats.org/markup-compatibility/2006" xmlns:a14="http://schemas.microsoft.com/office/drawing/2010/main">
+        <mc:Choice Requires="a14">
+          <p:sp>
+            <p:nvSpPr>
+              <p:cNvPr id="197" name="TextBox 196">
+                <a:extLst>
+                  <a:ext uri="{FF2B5EF4-FFF2-40B4-BE49-F238E27FC236}">
+                    <a16:creationId xmlns:a16="http://schemas.microsoft.com/office/drawing/2014/main" id="{E90CAC25-9E28-6DCE-0F4C-D5249E34F75E}"/>
+                  </a:ext>
+                </a:extLst>
+              </p:cNvPr>
+              <p:cNvSpPr txBox="1"/>
+              <p:nvPr/>
+            </p:nvSpPr>
+            <p:spPr>
+              <a:xfrm>
+                <a:off x="8849678" y="2412246"/>
+                <a:ext cx="286553" cy="276999"/>
+              </a:xfrm>
+              <a:prstGeom prst="rect">
+                <a:avLst/>
+              </a:prstGeom>
+              <a:noFill/>
+            </p:spPr>
+            <p:txBody>
+              <a:bodyPr wrap="none" lIns="0" tIns="0" rIns="0" bIns="0" rtlCol="0">
+                <a:spAutoFit/>
+              </a:bodyPr>
+              <a:lstStyle/>
+              <a:p>
+                <a:pPr/>
+                <a14:m>
+                  <m:oMathPara xmlns:m="http://schemas.openxmlformats.org/officeDocument/2006/math">
+                    <m:oMathParaPr>
+                      <m:jc m:val="centerGroup"/>
+                    </m:oMathParaPr>
+                    <m:oMath xmlns:m="http://schemas.openxmlformats.org/officeDocument/2006/math">
+                      <m:sSub>
+                        <m:sSubPr>
+                          <m:ctrlPr>
+                            <a:rPr lang="en-US" b="0" i="1" smtClean="0">
+                              <a:latin typeface="Cambria Math" panose="02040503050406030204" pitchFamily="18" charset="0"/>
+                            </a:rPr>
+                          </m:ctrlPr>
+                        </m:sSubPr>
+                        <m:e>
+                          <m:r>
+                            <a:rPr lang="en-US" b="0" i="1" smtClean="0">
+                              <a:latin typeface="Cambria Math" panose="02040503050406030204" pitchFamily="18" charset="0"/>
+                            </a:rPr>
+                            <m:t>𝐴</m:t>
+                          </m:r>
+                        </m:e>
+                        <m:sub>
+                          <m:r>
+                            <a:rPr lang="en-US" b="0" i="1" smtClean="0">
+                              <a:latin typeface="Cambria Math" panose="02040503050406030204" pitchFamily="18" charset="0"/>
+                            </a:rPr>
+                            <m:t>𝑡</m:t>
+                          </m:r>
+                        </m:sub>
+                      </m:sSub>
+                    </m:oMath>
+                  </m:oMathPara>
+                </a14:m>
+                <a:endParaRPr lang="en-US" dirty="0"/>
+              </a:p>
+            </p:txBody>
+          </p:sp>
+        </mc:Choice>
+        <mc:Fallback xmlns="">
+          <p:sp>
+            <p:nvSpPr>
+              <p:cNvPr id="197" name="TextBox 196">
+                <a:extLst>
+                  <a:ext uri="{FF2B5EF4-FFF2-40B4-BE49-F238E27FC236}">
+                    <a16:creationId xmlns:a16="http://schemas.microsoft.com/office/drawing/2014/main" id="{E90CAC25-9E28-6DCE-0F4C-D5249E34F75E}"/>
+                  </a:ext>
+                </a:extLst>
+              </p:cNvPr>
+              <p:cNvSpPr txBox="1">
+                <a:spLocks noRot="1" noChangeAspect="1" noMove="1" noResize="1" noEditPoints="1" noAdjustHandles="1" noChangeArrowheads="1" noChangeShapeType="1" noTextEdit="1"/>
+              </p:cNvSpPr>
+              <p:nvPr/>
+            </p:nvSpPr>
+            <p:spPr>
+              <a:xfrm>
+                <a:off x="8849678" y="2412246"/>
+                <a:ext cx="286553" cy="276999"/>
+              </a:xfrm>
+              <a:prstGeom prst="rect">
+                <a:avLst/>
+              </a:prstGeom>
+              <a:blipFill>
+                <a:blip r:embed="rId3"/>
+                <a:stretch>
+                  <a:fillRect l="-16667" r="-4167" b="-18182"/>
+                </a:stretch>
+              </a:blipFill>
+            </p:spPr>
+            <p:txBody>
+              <a:bodyPr/>
+              <a:lstStyle/>
+              <a:p>
+                <a:r>
+                  <a:rPr lang="en-US">
+                    <a:noFill/>
+                  </a:rPr>
+                  <a:t> </a:t>
+                </a:r>
+              </a:p>
+            </p:txBody>
+          </p:sp>
+        </mc:Fallback>
+      </mc:AlternateContent>
+      <mc:AlternateContent xmlns:mc="http://schemas.openxmlformats.org/markup-compatibility/2006" xmlns:a14="http://schemas.microsoft.com/office/drawing/2010/main">
+        <mc:Choice Requires="a14">
+          <p:sp>
+            <p:nvSpPr>
+              <p:cNvPr id="198" name="TextBox 197">
+                <a:extLst>
+                  <a:ext uri="{FF2B5EF4-FFF2-40B4-BE49-F238E27FC236}">
+                    <a16:creationId xmlns:a16="http://schemas.microsoft.com/office/drawing/2014/main" id="{A07F23AA-42CB-FF17-BFFE-0E6F78B107C7}"/>
+                  </a:ext>
+                </a:extLst>
+              </p:cNvPr>
+              <p:cNvSpPr txBox="1"/>
+              <p:nvPr/>
+            </p:nvSpPr>
+            <p:spPr>
+              <a:xfrm>
+                <a:off x="2763174" y="2381100"/>
+                <a:ext cx="252377" cy="276999"/>
+              </a:xfrm>
+              <a:prstGeom prst="rect">
+                <a:avLst/>
+              </a:prstGeom>
+              <a:noFill/>
+            </p:spPr>
+            <p:txBody>
+              <a:bodyPr wrap="none" lIns="0" tIns="0" rIns="0" bIns="0" rtlCol="0">
+                <a:spAutoFit/>
+              </a:bodyPr>
+              <a:lstStyle/>
+              <a:p>
+                <a:pPr/>
+                <a14:m>
+                  <m:oMathPara xmlns:m="http://schemas.openxmlformats.org/officeDocument/2006/math">
+                    <m:oMathParaPr>
+                      <m:jc m:val="centerGroup"/>
+                    </m:oMathParaPr>
+                    <m:oMath xmlns:m="http://schemas.openxmlformats.org/officeDocument/2006/math">
+                      <m:sSub>
+                        <m:sSubPr>
+                          <m:ctrlPr>
+                            <a:rPr lang="en-US" b="0" i="1" smtClean="0">
+                              <a:latin typeface="Cambria Math" panose="02040503050406030204" pitchFamily="18" charset="0"/>
+                            </a:rPr>
+                          </m:ctrlPr>
+                        </m:sSubPr>
+                        <m:e>
+                          <m:r>
+                            <a:rPr lang="en-US" b="0" i="1" smtClean="0">
+                              <a:latin typeface="Cambria Math" panose="02040503050406030204" pitchFamily="18" charset="0"/>
+                            </a:rPr>
+                            <m:t>𝑆</m:t>
+                          </m:r>
+                        </m:e>
+                        <m:sub>
+                          <m:r>
+                            <a:rPr lang="en-US" b="0" i="1" smtClean="0">
+                              <a:latin typeface="Cambria Math" panose="02040503050406030204" pitchFamily="18" charset="0"/>
+                            </a:rPr>
+                            <m:t>𝑡</m:t>
+                          </m:r>
+                        </m:sub>
+                      </m:sSub>
+                    </m:oMath>
+                  </m:oMathPara>
+                </a14:m>
+                <a:endParaRPr lang="en-US" dirty="0"/>
+              </a:p>
+            </p:txBody>
+          </p:sp>
+        </mc:Choice>
+        <mc:Fallback xmlns="">
+          <p:sp>
+            <p:nvSpPr>
+              <p:cNvPr id="198" name="TextBox 197">
+                <a:extLst>
+                  <a:ext uri="{FF2B5EF4-FFF2-40B4-BE49-F238E27FC236}">
+                    <a16:creationId xmlns:a16="http://schemas.microsoft.com/office/drawing/2014/main" id="{A07F23AA-42CB-FF17-BFFE-0E6F78B107C7}"/>
+                  </a:ext>
+                </a:extLst>
+              </p:cNvPr>
+              <p:cNvSpPr txBox="1">
+                <a:spLocks noRot="1" noChangeAspect="1" noMove="1" noResize="1" noEditPoints="1" noAdjustHandles="1" noChangeArrowheads="1" noChangeShapeType="1" noTextEdit="1"/>
+              </p:cNvSpPr>
+              <p:nvPr/>
+            </p:nvSpPr>
+            <p:spPr>
+              <a:xfrm>
+                <a:off x="2763174" y="2381100"/>
+                <a:ext cx="252377" cy="276999"/>
+              </a:xfrm>
+              <a:prstGeom prst="rect">
+                <a:avLst/>
+              </a:prstGeom>
+              <a:blipFill>
+                <a:blip r:embed="rId4"/>
+                <a:stretch>
+                  <a:fillRect l="-19048" r="-4762" b="-13043"/>
+                </a:stretch>
+              </a:blipFill>
+            </p:spPr>
+            <p:txBody>
+              <a:bodyPr/>
+              <a:lstStyle/>
+              <a:p>
+                <a:r>
+                  <a:rPr lang="en-US">
+                    <a:noFill/>
+                  </a:rPr>
+                  <a:t> </a:t>
+                </a:r>
+              </a:p>
+            </p:txBody>
+          </p:sp>
+        </mc:Fallback>
+      </mc:AlternateContent>
+      <mc:AlternateContent xmlns:mc="http://schemas.openxmlformats.org/markup-compatibility/2006" xmlns:a14="http://schemas.microsoft.com/office/drawing/2010/main">
+        <mc:Choice Requires="a14">
+          <p:sp>
+            <p:nvSpPr>
+              <p:cNvPr id="199" name="TextBox 198">
+                <a:extLst>
+                  <a:ext uri="{FF2B5EF4-FFF2-40B4-BE49-F238E27FC236}">
+                    <a16:creationId xmlns:a16="http://schemas.microsoft.com/office/drawing/2014/main" id="{D9C6B6FB-7C11-368D-1FA1-1166283CC76C}"/>
+                  </a:ext>
+                </a:extLst>
+              </p:cNvPr>
+              <p:cNvSpPr txBox="1"/>
+              <p:nvPr/>
+            </p:nvSpPr>
+            <p:spPr>
+              <a:xfrm>
+                <a:off x="6857892" y="3432122"/>
+                <a:ext cx="200055" cy="215444"/>
+              </a:xfrm>
+              <a:prstGeom prst="rect">
+                <a:avLst/>
+              </a:prstGeom>
+              <a:noFill/>
+            </p:spPr>
+            <p:txBody>
+              <a:bodyPr wrap="none" lIns="0" tIns="0" rIns="0" bIns="0" rtlCol="0">
+                <a:spAutoFit/>
+              </a:bodyPr>
+              <a:lstStyle/>
+              <a:p>
+                <a:pPr/>
+                <a14:m>
+                  <m:oMathPara xmlns:m="http://schemas.openxmlformats.org/officeDocument/2006/math">
+                    <m:oMathParaPr>
+                      <m:jc m:val="centerGroup"/>
+                    </m:oMathParaPr>
+                    <m:oMath xmlns:m="http://schemas.openxmlformats.org/officeDocument/2006/math">
+                      <m:sSub>
+                        <m:sSubPr>
+                          <m:ctrlPr>
+                            <a:rPr lang="en-US" sz="1400" b="0" i="1" smtClean="0">
+                              <a:latin typeface="Cambria Math" panose="02040503050406030204" pitchFamily="18" charset="0"/>
+                            </a:rPr>
+                          </m:ctrlPr>
+                        </m:sSubPr>
+                        <m:e>
+                          <m:r>
+                            <a:rPr lang="en-US" sz="1400" b="0" i="1" smtClean="0">
+                              <a:latin typeface="Cambria Math" panose="02040503050406030204" pitchFamily="18" charset="0"/>
+                            </a:rPr>
+                            <m:t>𝑃</m:t>
+                          </m:r>
+                        </m:e>
+                        <m:sub>
+                          <m:r>
+                            <a:rPr lang="en-US" sz="1400" b="0" i="1" smtClean="0">
+                              <a:latin typeface="Cambria Math" panose="02040503050406030204" pitchFamily="18" charset="0"/>
+                            </a:rPr>
+                            <m:t>𝑡</m:t>
+                          </m:r>
+                        </m:sub>
+                      </m:sSub>
+                    </m:oMath>
+                  </m:oMathPara>
+                </a14:m>
+                <a:endParaRPr lang="en-US" dirty="0"/>
+              </a:p>
+            </p:txBody>
+          </p:sp>
+        </mc:Choice>
+        <mc:Fallback xmlns="">
+          <p:sp>
+            <p:nvSpPr>
+              <p:cNvPr id="199" name="TextBox 198">
+                <a:extLst>
+                  <a:ext uri="{FF2B5EF4-FFF2-40B4-BE49-F238E27FC236}">
+                    <a16:creationId xmlns:a16="http://schemas.microsoft.com/office/drawing/2014/main" id="{D9C6B6FB-7C11-368D-1FA1-1166283CC76C}"/>
+                  </a:ext>
+                </a:extLst>
+              </p:cNvPr>
+              <p:cNvSpPr txBox="1">
+                <a:spLocks noRot="1" noChangeAspect="1" noMove="1" noResize="1" noEditPoints="1" noAdjustHandles="1" noChangeArrowheads="1" noChangeShapeType="1" noTextEdit="1"/>
+              </p:cNvSpPr>
+              <p:nvPr/>
+            </p:nvSpPr>
+            <p:spPr>
+              <a:xfrm>
+                <a:off x="6857892" y="3432122"/>
+                <a:ext cx="200055" cy="215444"/>
+              </a:xfrm>
+              <a:prstGeom prst="rect">
+                <a:avLst/>
+              </a:prstGeom>
+              <a:blipFill>
+                <a:blip r:embed="rId5"/>
+                <a:stretch>
+                  <a:fillRect l="-18750" r="-6250" b="-11111"/>
+                </a:stretch>
+              </a:blipFill>
+            </p:spPr>
+            <p:txBody>
+              <a:bodyPr/>
+              <a:lstStyle/>
+              <a:p>
+                <a:r>
+                  <a:rPr lang="en-US">
+                    <a:noFill/>
+                  </a:rPr>
+                  <a:t> </a:t>
+                </a:r>
+              </a:p>
+            </p:txBody>
+          </p:sp>
+        </mc:Fallback>
+      </mc:AlternateContent>
+      <mc:AlternateContent xmlns:mc="http://schemas.openxmlformats.org/markup-compatibility/2006" xmlns:a14="http://schemas.microsoft.com/office/drawing/2010/main">
+        <mc:Choice Requires="a14">
+          <p:sp>
+            <p:nvSpPr>
+              <p:cNvPr id="200" name="TextBox 199">
+                <a:extLst>
+                  <a:ext uri="{FF2B5EF4-FFF2-40B4-BE49-F238E27FC236}">
+                    <a16:creationId xmlns:a16="http://schemas.microsoft.com/office/drawing/2014/main" id="{91C9A016-A1AA-CFB8-7E82-14EEC8509CAB}"/>
+                  </a:ext>
+                </a:extLst>
+              </p:cNvPr>
+              <p:cNvSpPr txBox="1"/>
+              <p:nvPr/>
+            </p:nvSpPr>
+            <p:spPr>
+              <a:xfrm>
+                <a:off x="5567076" y="3809771"/>
+                <a:ext cx="222560" cy="215444"/>
+              </a:xfrm>
+              <a:prstGeom prst="rect">
+                <a:avLst/>
+              </a:prstGeom>
+              <a:noFill/>
+            </p:spPr>
+            <p:txBody>
+              <a:bodyPr wrap="none" lIns="0" tIns="0" rIns="0" bIns="0" rtlCol="0">
+                <a:spAutoFit/>
+              </a:bodyPr>
+              <a:lstStyle/>
+              <a:p>
+                <a:pPr/>
+                <a14:m>
+                  <m:oMathPara xmlns:m="http://schemas.openxmlformats.org/officeDocument/2006/math">
+                    <m:oMathParaPr>
+                      <m:jc m:val="centerGroup"/>
+                    </m:oMathParaPr>
+                    <m:oMath xmlns:m="http://schemas.openxmlformats.org/officeDocument/2006/math">
+                      <m:sSub>
+                        <m:sSubPr>
+                          <m:ctrlPr>
+                            <a:rPr lang="en-US" sz="1400" b="0" i="1" smtClean="0">
+                              <a:latin typeface="Cambria Math" panose="02040503050406030204" pitchFamily="18" charset="0"/>
+                            </a:rPr>
+                          </m:ctrlPr>
+                        </m:sSubPr>
+                        <m:e>
+                          <m:r>
+                            <a:rPr lang="en-US" sz="1400" b="0" i="1" smtClean="0">
+                              <a:latin typeface="Cambria Math" panose="02040503050406030204" pitchFamily="18" charset="0"/>
+                            </a:rPr>
+                            <m:t>𝐴</m:t>
+                          </m:r>
+                        </m:e>
+                        <m:sub>
+                          <m:r>
+                            <a:rPr lang="en-US" sz="1400" b="0" i="1" smtClean="0">
+                              <a:latin typeface="Cambria Math" panose="02040503050406030204" pitchFamily="18" charset="0"/>
+                            </a:rPr>
+                            <m:t>𝑡</m:t>
+                          </m:r>
+                        </m:sub>
+                      </m:sSub>
+                    </m:oMath>
+                  </m:oMathPara>
+                </a14:m>
+                <a:endParaRPr lang="en-US" sz="1400" dirty="0"/>
+              </a:p>
+            </p:txBody>
+          </p:sp>
+        </mc:Choice>
+        <mc:Fallback xmlns="">
+          <p:sp>
+            <p:nvSpPr>
+              <p:cNvPr id="200" name="TextBox 199">
+                <a:extLst>
+                  <a:ext uri="{FF2B5EF4-FFF2-40B4-BE49-F238E27FC236}">
+                    <a16:creationId xmlns:a16="http://schemas.microsoft.com/office/drawing/2014/main" id="{91C9A016-A1AA-CFB8-7E82-14EEC8509CAB}"/>
+                  </a:ext>
+                </a:extLst>
+              </p:cNvPr>
+              <p:cNvSpPr txBox="1">
+                <a:spLocks noRot="1" noChangeAspect="1" noMove="1" noResize="1" noEditPoints="1" noAdjustHandles="1" noChangeArrowheads="1" noChangeShapeType="1" noTextEdit="1"/>
+              </p:cNvSpPr>
+              <p:nvPr/>
+            </p:nvSpPr>
+            <p:spPr>
+              <a:xfrm>
+                <a:off x="5567076" y="3809771"/>
+                <a:ext cx="222560" cy="215444"/>
+              </a:xfrm>
+              <a:prstGeom prst="rect">
+                <a:avLst/>
+              </a:prstGeom>
+              <a:blipFill>
+                <a:blip r:embed="rId6"/>
+                <a:stretch>
+                  <a:fillRect l="-15789" b="-17647"/>
+                </a:stretch>
+              </a:blipFill>
+            </p:spPr>
+            <p:txBody>
+              <a:bodyPr/>
+              <a:lstStyle/>
+              <a:p>
+                <a:r>
+                  <a:rPr lang="en-US">
+                    <a:noFill/>
+                  </a:rPr>
+                  <a:t> </a:t>
+                </a:r>
+              </a:p>
+            </p:txBody>
+          </p:sp>
+        </mc:Fallback>
+      </mc:AlternateContent>
+      <mc:AlternateContent xmlns:mc="http://schemas.openxmlformats.org/markup-compatibility/2006" xmlns:a14="http://schemas.microsoft.com/office/drawing/2010/main">
+        <mc:Choice Requires="a14">
+          <p:sp>
+            <p:nvSpPr>
+              <p:cNvPr id="201" name="TextBox 200">
+                <a:extLst>
+                  <a:ext uri="{FF2B5EF4-FFF2-40B4-BE49-F238E27FC236}">
+                    <a16:creationId xmlns:a16="http://schemas.microsoft.com/office/drawing/2014/main" id="{E494DD57-1BBA-E96C-8329-9898B3B57614}"/>
+                  </a:ext>
+                </a:extLst>
+              </p:cNvPr>
+              <p:cNvSpPr txBox="1"/>
+              <p:nvPr/>
+            </p:nvSpPr>
+            <p:spPr>
+              <a:xfrm>
+                <a:off x="4395836" y="3810724"/>
+                <a:ext cx="781496" cy="215444"/>
+              </a:xfrm>
+              <a:prstGeom prst="rect">
+                <a:avLst/>
+              </a:prstGeom>
+              <a:noFill/>
+            </p:spPr>
+            <p:txBody>
+              <a:bodyPr wrap="none" lIns="0" tIns="0" rIns="0" bIns="0" rtlCol="0">
+                <a:spAutoFit/>
+              </a:bodyPr>
+              <a:lstStyle/>
+              <a:p>
+                <a:pPr/>
+                <a14:m>
+                  <m:oMathPara xmlns:m="http://schemas.openxmlformats.org/officeDocument/2006/math">
+                    <m:oMathParaPr>
+                      <m:jc m:val="centerGroup"/>
+                    </m:oMathParaPr>
+                    <m:oMath xmlns:m="http://schemas.openxmlformats.org/officeDocument/2006/math">
+                      <m:sSub>
+                        <m:sSubPr>
+                          <m:ctrlPr>
+                            <a:rPr lang="en-US" sz="1400" b="0" i="1" smtClean="0">
+                              <a:latin typeface="Cambria Math" panose="02040503050406030204" pitchFamily="18" charset="0"/>
+                            </a:rPr>
+                          </m:ctrlPr>
+                        </m:sSubPr>
+                        <m:e>
+                          <m:r>
+                            <a:rPr lang="en-US" sz="1400" b="0" i="1" smtClean="0">
+                              <a:latin typeface="Cambria Math" panose="02040503050406030204" pitchFamily="18" charset="0"/>
+                            </a:rPr>
+                            <m:t>𝑆</m:t>
+                          </m:r>
+                        </m:e>
+                        <m:sub>
+                          <m:r>
+                            <a:rPr lang="en-US" sz="1400" b="0" i="1" smtClean="0">
+                              <a:latin typeface="Cambria Math" panose="02040503050406030204" pitchFamily="18" charset="0"/>
+                            </a:rPr>
+                            <m:t>𝑡</m:t>
+                          </m:r>
+                          <m:r>
+                            <a:rPr lang="en-US" sz="1400" b="0" i="1" smtClean="0">
+                              <a:latin typeface="Cambria Math" panose="02040503050406030204" pitchFamily="18" charset="0"/>
+                            </a:rPr>
+                            <m:t>+1</m:t>
+                          </m:r>
+                        </m:sub>
+                      </m:sSub>
+                      <m:r>
+                        <a:rPr lang="en-US" sz="1400" b="0" i="1" smtClean="0">
+                          <a:latin typeface="Cambria Math" panose="02040503050406030204" pitchFamily="18" charset="0"/>
+                        </a:rPr>
+                        <m:t>,</m:t>
+                      </m:r>
+                      <m:sSub>
+                        <m:sSubPr>
+                          <m:ctrlPr>
+                            <a:rPr lang="en-US" sz="1400" b="0" i="1" smtClean="0">
+                              <a:latin typeface="Cambria Math" panose="02040503050406030204" pitchFamily="18" charset="0"/>
+                            </a:rPr>
+                          </m:ctrlPr>
+                        </m:sSubPr>
+                        <m:e>
+                          <m:r>
+                            <a:rPr lang="en-US" sz="1400" b="0" i="1" smtClean="0">
+                              <a:latin typeface="Cambria Math" panose="02040503050406030204" pitchFamily="18" charset="0"/>
+                            </a:rPr>
+                            <m:t>𝑅</m:t>
+                          </m:r>
+                        </m:e>
+                        <m:sub>
+                          <m:r>
+                            <a:rPr lang="en-US" sz="1400" b="0" i="1" smtClean="0">
+                              <a:latin typeface="Cambria Math" panose="02040503050406030204" pitchFamily="18" charset="0"/>
+                            </a:rPr>
+                            <m:t>𝑡</m:t>
+                          </m:r>
+                          <m:r>
+                            <a:rPr lang="en-US" sz="1400" b="0" i="1" smtClean="0">
+                              <a:latin typeface="Cambria Math" panose="02040503050406030204" pitchFamily="18" charset="0"/>
+                            </a:rPr>
+                            <m:t>+1</m:t>
+                          </m:r>
+                        </m:sub>
+                      </m:sSub>
+                    </m:oMath>
+                  </m:oMathPara>
+                </a14:m>
+                <a:endParaRPr lang="en-US" sz="1400" dirty="0"/>
+              </a:p>
+            </p:txBody>
+          </p:sp>
+        </mc:Choice>
+        <mc:Fallback xmlns="">
+          <p:sp>
+            <p:nvSpPr>
+              <p:cNvPr id="201" name="TextBox 200">
+                <a:extLst>
+                  <a:ext uri="{FF2B5EF4-FFF2-40B4-BE49-F238E27FC236}">
+                    <a16:creationId xmlns:a16="http://schemas.microsoft.com/office/drawing/2014/main" id="{E494DD57-1BBA-E96C-8329-9898B3B57614}"/>
+                  </a:ext>
+                </a:extLst>
+              </p:cNvPr>
+              <p:cNvSpPr txBox="1">
+                <a:spLocks noRot="1" noChangeAspect="1" noMove="1" noResize="1" noEditPoints="1" noAdjustHandles="1" noChangeArrowheads="1" noChangeShapeType="1" noTextEdit="1"/>
+              </p:cNvSpPr>
+              <p:nvPr/>
+            </p:nvSpPr>
+            <p:spPr>
+              <a:xfrm>
+                <a:off x="4395836" y="3810724"/>
+                <a:ext cx="781496" cy="215444"/>
+              </a:xfrm>
+              <a:prstGeom prst="rect">
+                <a:avLst/>
+              </a:prstGeom>
+              <a:blipFill>
+                <a:blip r:embed="rId7"/>
+                <a:stretch>
+                  <a:fillRect l="-4839" r="-1613" b="-17647"/>
+                </a:stretch>
+              </a:blipFill>
+            </p:spPr>
+            <p:txBody>
+              <a:bodyPr/>
+              <a:lstStyle/>
+              <a:p>
+                <a:r>
+                  <a:rPr lang="en-US">
+                    <a:noFill/>
+                  </a:rPr>
+                  <a:t> </a:t>
+                </a:r>
+              </a:p>
+            </p:txBody>
+          </p:sp>
+        </mc:Fallback>
+      </mc:AlternateContent>
+      <p:cxnSp>
+        <p:nvCxnSpPr>
+          <p:cNvPr id="204" name="Straight Connector 203">
+            <a:extLst>
+              <a:ext uri="{FF2B5EF4-FFF2-40B4-BE49-F238E27FC236}">
+                <a16:creationId xmlns:a16="http://schemas.microsoft.com/office/drawing/2014/main" id="{11D8F9AA-666E-1591-7496-EA01614132FD}"/>
+              </a:ext>
+            </a:extLst>
+          </p:cNvPr>
+          <p:cNvCxnSpPr>
+            <a:cxnSpLocks/>
+          </p:cNvCxnSpPr>
+          <p:nvPr/>
+        </p:nvCxnSpPr>
+        <p:spPr>
+          <a:xfrm flipH="1">
+            <a:off x="3344534" y="3146012"/>
+            <a:ext cx="1530072" cy="0"/>
+          </a:xfrm>
+          <a:prstGeom prst="line">
+            <a:avLst/>
+          </a:prstGeom>
+          <a:ln w="19050">
+            <a:solidFill>
+              <a:schemeClr val="tx1"/>
+            </a:solidFill>
+          </a:ln>
+        </p:spPr>
+        <p:style>
+          <a:lnRef idx="1">
+            <a:schemeClr val="accent1"/>
+          </a:lnRef>
+          <a:fillRef idx="0">
+            <a:schemeClr val="accent1"/>
+          </a:fillRef>
+          <a:effectRef idx="0">
+            <a:schemeClr val="accent1"/>
+          </a:effectRef>
+          <a:fontRef idx="minor">
+            <a:schemeClr val="tx1"/>
+          </a:fontRef>
+        </p:style>
+      </p:cxnSp>
+      <p:cxnSp>
+        <p:nvCxnSpPr>
+          <p:cNvPr id="205" name="Straight Connector 204">
+            <a:extLst>
+              <a:ext uri="{FF2B5EF4-FFF2-40B4-BE49-F238E27FC236}">
+                <a16:creationId xmlns:a16="http://schemas.microsoft.com/office/drawing/2014/main" id="{BE68E79B-DB8E-DF60-ACF5-AB10C1F2ACC3}"/>
+              </a:ext>
+            </a:extLst>
+          </p:cNvPr>
+          <p:cNvCxnSpPr>
+            <a:cxnSpLocks/>
+          </p:cNvCxnSpPr>
+          <p:nvPr/>
+        </p:nvCxnSpPr>
+        <p:spPr>
+          <a:xfrm flipV="1">
+            <a:off x="5166019" y="3601730"/>
+            <a:ext cx="0" cy="518801"/>
+          </a:xfrm>
+          <a:prstGeom prst="line">
+            <a:avLst/>
+          </a:prstGeom>
+          <a:ln w="28575">
+            <a:solidFill>
+              <a:schemeClr val="tx1"/>
+            </a:solidFill>
+            <a:headEnd type="none" w="med" len="med"/>
+            <a:tailEnd type="triangle" w="med" len="med"/>
+          </a:ln>
+        </p:spPr>
+        <p:style>
+          <a:lnRef idx="1">
+            <a:schemeClr val="accent1"/>
+          </a:lnRef>
+          <a:fillRef idx="0">
+            <a:schemeClr val="accent1"/>
+          </a:fillRef>
+          <a:effectRef idx="0">
+            <a:schemeClr val="accent1"/>
+          </a:effectRef>
+          <a:fontRef idx="minor">
+            <a:schemeClr val="tx1"/>
+          </a:fontRef>
+        </p:style>
+      </p:cxnSp>
+      <p:cxnSp>
+        <p:nvCxnSpPr>
+          <p:cNvPr id="213" name="Straight Connector 212">
+            <a:extLst>
+              <a:ext uri="{FF2B5EF4-FFF2-40B4-BE49-F238E27FC236}">
+                <a16:creationId xmlns:a16="http://schemas.microsoft.com/office/drawing/2014/main" id="{E18702C9-77B5-FF72-424A-DE46F638C321}"/>
+              </a:ext>
+            </a:extLst>
+          </p:cNvPr>
+          <p:cNvCxnSpPr>
+            <a:cxnSpLocks/>
+          </p:cNvCxnSpPr>
+          <p:nvPr/>
+        </p:nvCxnSpPr>
+        <p:spPr>
+          <a:xfrm>
+            <a:off x="3334278" y="1894225"/>
+            <a:ext cx="0" cy="1260000"/>
+          </a:xfrm>
+          <a:prstGeom prst="line">
+            <a:avLst/>
+          </a:prstGeom>
+          <a:ln w="19050">
+            <a:solidFill>
+              <a:schemeClr val="tx1"/>
+            </a:solidFill>
+          </a:ln>
+        </p:spPr>
+        <p:style>
+          <a:lnRef idx="1">
+            <a:schemeClr val="accent1"/>
+          </a:lnRef>
+          <a:fillRef idx="0">
+            <a:schemeClr val="accent1"/>
+          </a:fillRef>
+          <a:effectRef idx="0">
+            <a:schemeClr val="accent1"/>
+          </a:effectRef>
+          <a:fontRef idx="minor">
+            <a:schemeClr val="tx1"/>
+          </a:fontRef>
+        </p:style>
+      </p:cxnSp>
+      <p:cxnSp>
+        <p:nvCxnSpPr>
+          <p:cNvPr id="216" name="Straight Connector 215">
+            <a:extLst>
+              <a:ext uri="{FF2B5EF4-FFF2-40B4-BE49-F238E27FC236}">
+                <a16:creationId xmlns:a16="http://schemas.microsoft.com/office/drawing/2014/main" id="{66263BAC-5DE0-8D39-891B-377C9BFB0C49}"/>
+              </a:ext>
+            </a:extLst>
+          </p:cNvPr>
+          <p:cNvCxnSpPr>
+            <a:cxnSpLocks/>
+          </p:cNvCxnSpPr>
+          <p:nvPr/>
+        </p:nvCxnSpPr>
+        <p:spPr>
+          <a:xfrm flipH="1">
+            <a:off x="3344534" y="1903751"/>
+            <a:ext cx="412202" cy="0"/>
+          </a:xfrm>
+          <a:prstGeom prst="line">
+            <a:avLst/>
+          </a:prstGeom>
+          <a:ln w="19050">
+            <a:solidFill>
+              <a:schemeClr val="tx1"/>
+            </a:solidFill>
+            <a:headEnd type="triangle" w="med" len="med"/>
+            <a:tailEnd type="none" w="med" len="med"/>
+          </a:ln>
+        </p:spPr>
+        <p:style>
+          <a:lnRef idx="1">
+            <a:schemeClr val="accent1"/>
+          </a:lnRef>
+          <a:fillRef idx="0">
+            <a:schemeClr val="accent1"/>
+          </a:fillRef>
+          <a:effectRef idx="0">
+            <a:schemeClr val="accent1"/>
+          </a:effectRef>
+          <a:fontRef idx="minor">
+            <a:schemeClr val="tx1"/>
+          </a:fontRef>
+        </p:style>
+      </p:cxnSp>
+      <p:cxnSp>
+        <p:nvCxnSpPr>
+          <p:cNvPr id="220" name="Straight Connector 219">
+            <a:extLst>
+              <a:ext uri="{FF2B5EF4-FFF2-40B4-BE49-F238E27FC236}">
+                <a16:creationId xmlns:a16="http://schemas.microsoft.com/office/drawing/2014/main" id="{4C269B3E-7C18-EE50-E269-98A1DE73508D}"/>
+              </a:ext>
+            </a:extLst>
+          </p:cNvPr>
+          <p:cNvCxnSpPr>
+            <a:cxnSpLocks/>
+          </p:cNvCxnSpPr>
+          <p:nvPr/>
+        </p:nvCxnSpPr>
+        <p:spPr>
+          <a:xfrm>
+            <a:off x="4318632" y="2969655"/>
+            <a:ext cx="0" cy="587557"/>
+          </a:xfrm>
+          <a:prstGeom prst="line">
+            <a:avLst/>
+          </a:prstGeom>
+          <a:ln w="12700">
+            <a:solidFill>
+              <a:schemeClr val="tx1"/>
+            </a:solidFill>
+            <a:prstDash val="dash"/>
+          </a:ln>
+        </p:spPr>
+        <p:style>
+          <a:lnRef idx="1">
+            <a:schemeClr val="accent1"/>
+          </a:lnRef>
+          <a:fillRef idx="0">
+            <a:schemeClr val="accent1"/>
+          </a:fillRef>
+          <a:effectRef idx="0">
+            <a:schemeClr val="accent1"/>
+          </a:effectRef>
+          <a:fontRef idx="minor">
+            <a:schemeClr val="tx1"/>
+          </a:fontRef>
+        </p:style>
+      </p:cxnSp>
+      <mc:AlternateContent xmlns:mc="http://schemas.openxmlformats.org/markup-compatibility/2006" xmlns:a14="http://schemas.microsoft.com/office/drawing/2010/main">
+        <mc:Choice Requires="a14">
+          <p:sp>
+            <p:nvSpPr>
+              <p:cNvPr id="223" name="TextBox 222">
+                <a:extLst>
+                  <a:ext uri="{FF2B5EF4-FFF2-40B4-BE49-F238E27FC236}">
+                    <a16:creationId xmlns:a16="http://schemas.microsoft.com/office/drawing/2014/main" id="{584BAD20-3A15-7792-141C-3E873300DE11}"/>
+                  </a:ext>
+                </a:extLst>
+              </p:cNvPr>
+              <p:cNvSpPr txBox="1"/>
+              <p:nvPr/>
+            </p:nvSpPr>
+            <p:spPr>
+              <a:xfrm>
+                <a:off x="3378947" y="2391665"/>
+                <a:ext cx="284180" cy="276999"/>
+              </a:xfrm>
+              <a:prstGeom prst="rect">
+                <a:avLst/>
+              </a:prstGeom>
+              <a:noFill/>
+            </p:spPr>
+            <p:txBody>
+              <a:bodyPr wrap="none" lIns="0" tIns="0" rIns="0" bIns="0" rtlCol="0">
+                <a:spAutoFit/>
+              </a:bodyPr>
+              <a:lstStyle/>
+              <a:p>
+                <a:pPr/>
+                <a14:m>
+                  <m:oMathPara xmlns:m="http://schemas.openxmlformats.org/officeDocument/2006/math">
+                    <m:oMathParaPr>
+                      <m:jc m:val="centerGroup"/>
+                    </m:oMathParaPr>
+                    <m:oMath xmlns:m="http://schemas.openxmlformats.org/officeDocument/2006/math">
+                      <m:sSub>
+                        <m:sSubPr>
+                          <m:ctrlPr>
+                            <a:rPr lang="en-US" b="0" i="1" smtClean="0">
+                              <a:latin typeface="Cambria Math" panose="02040503050406030204" pitchFamily="18" charset="0"/>
+                            </a:rPr>
+                          </m:ctrlPr>
+                        </m:sSubPr>
+                        <m:e>
+                          <m:r>
+                            <a:rPr lang="en-US" b="0" i="1" smtClean="0">
+                              <a:latin typeface="Cambria Math" panose="02040503050406030204" pitchFamily="18" charset="0"/>
+                            </a:rPr>
+                            <m:t>𝑅</m:t>
+                          </m:r>
+                        </m:e>
+                        <m:sub>
+                          <m:r>
+                            <a:rPr lang="en-US" b="0" i="1" smtClean="0">
+                              <a:latin typeface="Cambria Math" panose="02040503050406030204" pitchFamily="18" charset="0"/>
+                            </a:rPr>
+                            <m:t>𝑡</m:t>
+                          </m:r>
+                        </m:sub>
+                      </m:sSub>
+                    </m:oMath>
+                  </m:oMathPara>
+                </a14:m>
+                <a:endParaRPr lang="en-US" dirty="0"/>
+              </a:p>
+            </p:txBody>
+          </p:sp>
+        </mc:Choice>
+        <mc:Fallback xmlns="">
+          <p:sp>
+            <p:nvSpPr>
+              <p:cNvPr id="223" name="TextBox 222">
+                <a:extLst>
+                  <a:ext uri="{FF2B5EF4-FFF2-40B4-BE49-F238E27FC236}">
+                    <a16:creationId xmlns:a16="http://schemas.microsoft.com/office/drawing/2014/main" id="{584BAD20-3A15-7792-141C-3E873300DE11}"/>
+                  </a:ext>
+                </a:extLst>
+              </p:cNvPr>
+              <p:cNvSpPr txBox="1">
+                <a:spLocks noRot="1" noChangeAspect="1" noMove="1" noResize="1" noEditPoints="1" noAdjustHandles="1" noChangeArrowheads="1" noChangeShapeType="1" noTextEdit="1"/>
+              </p:cNvSpPr>
+              <p:nvPr/>
+            </p:nvSpPr>
+            <p:spPr>
+              <a:xfrm>
+                <a:off x="3378947" y="2391665"/>
+                <a:ext cx="284180" cy="276999"/>
+              </a:xfrm>
+              <a:prstGeom prst="rect">
+                <a:avLst/>
+              </a:prstGeom>
+              <a:blipFill>
+                <a:blip r:embed="rId8"/>
+                <a:stretch>
+                  <a:fillRect l="-12500" r="-4167" b="-13043"/>
+                </a:stretch>
+              </a:blipFill>
+            </p:spPr>
+            <p:txBody>
+              <a:bodyPr/>
+              <a:lstStyle/>
+              <a:p>
+                <a:r>
+                  <a:rPr lang="en-US">
+                    <a:noFill/>
+                  </a:rPr>
+                  <a:t> </a:t>
+                </a:r>
+              </a:p>
+            </p:txBody>
+          </p:sp>
+        </mc:Fallback>
+      </mc:AlternateContent>
+      <mc:AlternateContent xmlns:mc="http://schemas.openxmlformats.org/markup-compatibility/2006" xmlns:a14="http://schemas.microsoft.com/office/drawing/2010/main">
+        <mc:Choice Requires="a14">
+          <p:sp>
+            <p:nvSpPr>
+              <p:cNvPr id="224" name="TextBox 223">
+                <a:extLst>
+                  <a:ext uri="{FF2B5EF4-FFF2-40B4-BE49-F238E27FC236}">
+                    <a16:creationId xmlns:a16="http://schemas.microsoft.com/office/drawing/2014/main" id="{B5A5C830-EFDD-BCA9-7DF7-360050A96C76}"/>
+                  </a:ext>
+                </a:extLst>
+              </p:cNvPr>
+              <p:cNvSpPr txBox="1"/>
+              <p:nvPr/>
+            </p:nvSpPr>
+            <p:spPr>
+              <a:xfrm>
+                <a:off x="4361755" y="3361329"/>
+                <a:ext cx="471989" cy="276999"/>
+              </a:xfrm>
+              <a:prstGeom prst="rect">
+                <a:avLst/>
+              </a:prstGeom>
+              <a:noFill/>
+            </p:spPr>
+            <p:txBody>
+              <a:bodyPr wrap="none" lIns="0" tIns="0" rIns="0" bIns="0" rtlCol="0">
+                <a:spAutoFit/>
+              </a:bodyPr>
+              <a:lstStyle/>
+              <a:p>
+                <a:pPr/>
+                <a14:m>
+                  <m:oMathPara xmlns:m="http://schemas.openxmlformats.org/officeDocument/2006/math">
+                    <m:oMathParaPr>
+                      <m:jc m:val="centerGroup"/>
+                    </m:oMathParaPr>
+                    <m:oMath xmlns:m="http://schemas.openxmlformats.org/officeDocument/2006/math">
+                      <m:sSub>
+                        <m:sSubPr>
+                          <m:ctrlPr>
+                            <a:rPr lang="en-US" b="0" i="1" smtClean="0">
+                              <a:latin typeface="Cambria Math" panose="02040503050406030204" pitchFamily="18" charset="0"/>
+                            </a:rPr>
+                          </m:ctrlPr>
+                        </m:sSubPr>
+                        <m:e>
+                          <m:r>
+                            <a:rPr lang="en-US" b="0" i="1" smtClean="0">
+                              <a:latin typeface="Cambria Math" panose="02040503050406030204" pitchFamily="18" charset="0"/>
+                            </a:rPr>
+                            <m:t>𝑆</m:t>
+                          </m:r>
+                        </m:e>
+                        <m:sub>
+                          <m:r>
+                            <a:rPr lang="en-US" b="0" i="1" smtClean="0">
+                              <a:latin typeface="Cambria Math" panose="02040503050406030204" pitchFamily="18" charset="0"/>
+                            </a:rPr>
+                            <m:t>𝑡</m:t>
+                          </m:r>
+                          <m:r>
+                            <a:rPr lang="en-US" b="0" i="1" smtClean="0">
+                              <a:latin typeface="Cambria Math" panose="02040503050406030204" pitchFamily="18" charset="0"/>
+                            </a:rPr>
+                            <m:t>+1</m:t>
+                          </m:r>
+                        </m:sub>
+                      </m:sSub>
+                    </m:oMath>
+                  </m:oMathPara>
+                </a14:m>
+                <a:endParaRPr lang="en-US" dirty="0"/>
+              </a:p>
+            </p:txBody>
+          </p:sp>
+        </mc:Choice>
+        <mc:Fallback xmlns="">
+          <p:sp>
+            <p:nvSpPr>
+              <p:cNvPr id="224" name="TextBox 223">
+                <a:extLst>
+                  <a:ext uri="{FF2B5EF4-FFF2-40B4-BE49-F238E27FC236}">
+                    <a16:creationId xmlns:a16="http://schemas.microsoft.com/office/drawing/2014/main" id="{B5A5C830-EFDD-BCA9-7DF7-360050A96C76}"/>
+                  </a:ext>
+                </a:extLst>
+              </p:cNvPr>
+              <p:cNvSpPr txBox="1">
+                <a:spLocks noRot="1" noChangeAspect="1" noMove="1" noResize="1" noEditPoints="1" noAdjustHandles="1" noChangeArrowheads="1" noChangeShapeType="1" noTextEdit="1"/>
+              </p:cNvSpPr>
+              <p:nvPr/>
+            </p:nvSpPr>
+            <p:spPr>
+              <a:xfrm>
+                <a:off x="4361755" y="3361329"/>
+                <a:ext cx="471989" cy="276999"/>
+              </a:xfrm>
+              <a:prstGeom prst="rect">
+                <a:avLst/>
+              </a:prstGeom>
+              <a:blipFill>
+                <a:blip r:embed="rId9"/>
+                <a:stretch>
+                  <a:fillRect l="-10526" r="-2632" b="-13043"/>
+                </a:stretch>
+              </a:blipFill>
+            </p:spPr>
+            <p:txBody>
+              <a:bodyPr/>
+              <a:lstStyle/>
+              <a:p>
+                <a:r>
+                  <a:rPr lang="en-US">
+                    <a:noFill/>
+                  </a:rPr>
+                  <a:t> </a:t>
+                </a:r>
+              </a:p>
+            </p:txBody>
+          </p:sp>
+        </mc:Fallback>
+      </mc:AlternateContent>
+      <mc:AlternateContent xmlns:mc="http://schemas.openxmlformats.org/markup-compatibility/2006" xmlns:a14="http://schemas.microsoft.com/office/drawing/2010/main">
+        <mc:Choice Requires="a14">
+          <p:sp>
+            <p:nvSpPr>
+              <p:cNvPr id="225" name="TextBox 224">
+                <a:extLst>
+                  <a:ext uri="{FF2B5EF4-FFF2-40B4-BE49-F238E27FC236}">
+                    <a16:creationId xmlns:a16="http://schemas.microsoft.com/office/drawing/2014/main" id="{BE42D6BB-8A42-4FD3-FB1C-D9C5CC37F3F4}"/>
+                  </a:ext>
+                </a:extLst>
+              </p:cNvPr>
+              <p:cNvSpPr txBox="1"/>
+              <p:nvPr/>
+            </p:nvSpPr>
+            <p:spPr>
+              <a:xfrm>
+                <a:off x="4342166" y="2849321"/>
+                <a:ext cx="503792" cy="276999"/>
+              </a:xfrm>
+              <a:prstGeom prst="rect">
+                <a:avLst/>
+              </a:prstGeom>
+              <a:noFill/>
+            </p:spPr>
+            <p:txBody>
+              <a:bodyPr wrap="none" lIns="0" tIns="0" rIns="0" bIns="0" rtlCol="0">
+                <a:spAutoFit/>
+              </a:bodyPr>
+              <a:lstStyle/>
+              <a:p>
+                <a:pPr/>
+                <a14:m>
+                  <m:oMathPara xmlns:m="http://schemas.openxmlformats.org/officeDocument/2006/math">
+                    <m:oMathParaPr>
+                      <m:jc m:val="centerGroup"/>
+                    </m:oMathParaPr>
+                    <m:oMath xmlns:m="http://schemas.openxmlformats.org/officeDocument/2006/math">
+                      <m:sSub>
+                        <m:sSubPr>
+                          <m:ctrlPr>
+                            <a:rPr lang="en-US" b="0" i="1" smtClean="0">
+                              <a:latin typeface="Cambria Math" panose="02040503050406030204" pitchFamily="18" charset="0"/>
+                            </a:rPr>
+                          </m:ctrlPr>
+                        </m:sSubPr>
+                        <m:e>
+                          <m:r>
+                            <a:rPr lang="en-US" b="0" i="1" smtClean="0">
+                              <a:latin typeface="Cambria Math" panose="02040503050406030204" pitchFamily="18" charset="0"/>
+                            </a:rPr>
+                            <m:t>𝑅</m:t>
+                          </m:r>
+                        </m:e>
+                        <m:sub>
+                          <m:r>
+                            <a:rPr lang="en-US" b="0" i="1" smtClean="0">
+                              <a:latin typeface="Cambria Math" panose="02040503050406030204" pitchFamily="18" charset="0"/>
+                            </a:rPr>
+                            <m:t>𝑡</m:t>
+                          </m:r>
+                          <m:r>
+                            <a:rPr lang="en-US" b="0" i="1" smtClean="0">
+                              <a:latin typeface="Cambria Math" panose="02040503050406030204" pitchFamily="18" charset="0"/>
+                            </a:rPr>
+                            <m:t>+1</m:t>
+                          </m:r>
+                        </m:sub>
+                      </m:sSub>
+                    </m:oMath>
+                  </m:oMathPara>
+                </a14:m>
+                <a:endParaRPr lang="en-US" dirty="0"/>
+              </a:p>
+            </p:txBody>
+          </p:sp>
+        </mc:Choice>
+        <mc:Fallback xmlns="">
+          <p:sp>
+            <p:nvSpPr>
+              <p:cNvPr id="225" name="TextBox 224">
+                <a:extLst>
+                  <a:ext uri="{FF2B5EF4-FFF2-40B4-BE49-F238E27FC236}">
+                    <a16:creationId xmlns:a16="http://schemas.microsoft.com/office/drawing/2014/main" id="{BE42D6BB-8A42-4FD3-FB1C-D9C5CC37F3F4}"/>
+                  </a:ext>
+                </a:extLst>
+              </p:cNvPr>
+              <p:cNvSpPr txBox="1">
+                <a:spLocks noRot="1" noChangeAspect="1" noMove="1" noResize="1" noEditPoints="1" noAdjustHandles="1" noChangeArrowheads="1" noChangeShapeType="1" noTextEdit="1"/>
+              </p:cNvSpPr>
+              <p:nvPr/>
+            </p:nvSpPr>
+            <p:spPr>
+              <a:xfrm>
+                <a:off x="4342166" y="2849321"/>
+                <a:ext cx="503792" cy="276999"/>
+              </a:xfrm>
+              <a:prstGeom prst="rect">
+                <a:avLst/>
+              </a:prstGeom>
+              <a:blipFill>
+                <a:blip r:embed="rId10"/>
+                <a:stretch>
+                  <a:fillRect l="-9756" r="-2439" b="-13043"/>
+                </a:stretch>
+              </a:blipFill>
+            </p:spPr>
+            <p:txBody>
+              <a:bodyPr/>
+              <a:lstStyle/>
+              <a:p>
+                <a:r>
+                  <a:rPr lang="en-US">
+                    <a:noFill/>
+                  </a:rPr>
+                  <a:t> </a:t>
+                </a:r>
+              </a:p>
+            </p:txBody>
+          </p:sp>
+        </mc:Fallback>
+      </mc:AlternateContent>
+    </p:spTree>
+    <p:extLst>
+      <p:ext uri="{BB962C8B-B14F-4D97-AF65-F5344CB8AC3E}">
+        <p14:creationId xmlns:p14="http://schemas.microsoft.com/office/powerpoint/2010/main" val="927266003"/>
+      </p:ext>
+    </p:extLst>
+  </p:cSld>
+  <p:clrMapOvr>
+    <a:masterClrMapping/>
+  </p:clrMapOvr>
+</p:sld>
+</file>
+
+<file path=ppt/slides/slide2.xml><?xml version="1.0" encoding="utf-8"?>
 <p:sld xmlns:a="http://schemas.openxmlformats.org/drawingml/2006/main" xmlns:r="http://schemas.openxmlformats.org/officeDocument/2006/relationships" xmlns:p="http://schemas.openxmlformats.org/presentationml/2006/main">
   <p:cSld>
     <p:spTree>
@@ -6630,2573 +9205,6 @@
 </p:sld>
 </file>
 
-<file path=ppt/slides/slide2.xml><?xml version="1.0" encoding="utf-8"?>
-<p:sld xmlns:a="http://schemas.openxmlformats.org/drawingml/2006/main" xmlns:r="http://schemas.openxmlformats.org/officeDocument/2006/relationships" xmlns:p="http://schemas.openxmlformats.org/presentationml/2006/main">
-  <p:cSld>
-    <p:spTree>
-      <p:nvGrpSpPr>
-        <p:cNvPr id="1" name=""/>
-        <p:cNvGrpSpPr/>
-        <p:nvPr/>
-      </p:nvGrpSpPr>
-      <p:grpSpPr>
-        <a:xfrm>
-          <a:off x="0" y="0"/>
-          <a:ext cx="0" cy="0"/>
-          <a:chOff x="0" y="0"/>
-          <a:chExt cx="0" cy="0"/>
-        </a:xfrm>
-      </p:grpSpPr>
-      <p:sp>
-        <p:nvSpPr>
-          <p:cNvPr id="52" name="Rectangle 51">
-            <a:extLst>
-              <a:ext uri="{FF2B5EF4-FFF2-40B4-BE49-F238E27FC236}">
-                <a16:creationId xmlns:a16="http://schemas.microsoft.com/office/drawing/2014/main" id="{D7D77805-B170-E443-9896-35058F8A48CF}"/>
-              </a:ext>
-            </a:extLst>
-          </p:cNvPr>
-          <p:cNvSpPr/>
-          <p:nvPr/>
-        </p:nvSpPr>
-        <p:spPr>
-          <a:xfrm>
-            <a:off x="341937" y="269325"/>
-            <a:ext cx="11461180" cy="6352192"/>
-          </a:xfrm>
-          <a:prstGeom prst="rect">
-            <a:avLst/>
-          </a:prstGeom>
-          <a:noFill/>
-        </p:spPr>
-        <p:style>
-          <a:lnRef idx="2">
-            <a:schemeClr val="accent1">
-              <a:shade val="50000"/>
-            </a:schemeClr>
-          </a:lnRef>
-          <a:fillRef idx="1">
-            <a:schemeClr val="accent1"/>
-          </a:fillRef>
-          <a:effectRef idx="0">
-            <a:schemeClr val="accent1"/>
-          </a:effectRef>
-          <a:fontRef idx="minor">
-            <a:schemeClr val="lt1"/>
-          </a:fontRef>
-        </p:style>
-        <p:txBody>
-          <a:bodyPr rtlCol="0" anchor="ctr"/>
-          <a:lstStyle/>
-          <a:p>
-            <a:pPr algn="ctr"/>
-            <a:endParaRPr lang="en-US" dirty="0">
-              <a:solidFill>
-                <a:schemeClr val="tx1"/>
-              </a:solidFill>
-            </a:endParaRPr>
-          </a:p>
-        </p:txBody>
-      </p:sp>
-      <p:sp>
-        <p:nvSpPr>
-          <p:cNvPr id="53" name="Rectangle 52">
-            <a:extLst>
-              <a:ext uri="{FF2B5EF4-FFF2-40B4-BE49-F238E27FC236}">
-                <a16:creationId xmlns:a16="http://schemas.microsoft.com/office/drawing/2014/main" id="{0B6B1A03-9399-B568-DB79-138AA42602A5}"/>
-              </a:ext>
-            </a:extLst>
-          </p:cNvPr>
-          <p:cNvSpPr/>
-          <p:nvPr/>
-        </p:nvSpPr>
-        <p:spPr>
-          <a:xfrm>
-            <a:off x="4683015" y="116924"/>
-            <a:ext cx="2405556" cy="655584"/>
-          </a:xfrm>
-          <a:prstGeom prst="rect">
-            <a:avLst/>
-          </a:prstGeom>
-          <a:noFill/>
-          <a:ln>
-            <a:noFill/>
-          </a:ln>
-        </p:spPr>
-        <p:style>
-          <a:lnRef idx="2">
-            <a:schemeClr val="accent1">
-              <a:shade val="50000"/>
-            </a:schemeClr>
-          </a:lnRef>
-          <a:fillRef idx="1">
-            <a:schemeClr val="accent1"/>
-          </a:fillRef>
-          <a:effectRef idx="0">
-            <a:schemeClr val="accent1"/>
-          </a:effectRef>
-          <a:fontRef idx="minor">
-            <a:schemeClr val="lt1"/>
-          </a:fontRef>
-        </p:style>
-        <p:txBody>
-          <a:bodyPr rtlCol="0" anchor="ctr"/>
-          <a:lstStyle/>
-          <a:p>
-            <a:pPr algn="ctr"/>
-            <a:r>
-              <a:rPr lang="en-US" b="1" dirty="0">
-                <a:solidFill>
-                  <a:schemeClr val="tx1"/>
-                </a:solidFill>
-              </a:rPr>
-              <a:t>Policy Evaluation</a:t>
-            </a:r>
-          </a:p>
-        </p:txBody>
-      </p:sp>
-      <p:sp>
-        <p:nvSpPr>
-          <p:cNvPr id="113" name="Rectangle 112">
-            <a:extLst>
-              <a:ext uri="{FF2B5EF4-FFF2-40B4-BE49-F238E27FC236}">
-                <a16:creationId xmlns:a16="http://schemas.microsoft.com/office/drawing/2014/main" id="{1883087D-0271-C825-D899-C5E86EE27363}"/>
-              </a:ext>
-            </a:extLst>
-          </p:cNvPr>
-          <p:cNvSpPr/>
-          <p:nvPr/>
-        </p:nvSpPr>
-        <p:spPr>
-          <a:xfrm>
-            <a:off x="10019801" y="667302"/>
-            <a:ext cx="1495756" cy="655584"/>
-          </a:xfrm>
-          <a:prstGeom prst="rect">
-            <a:avLst/>
-          </a:prstGeom>
-          <a:noFill/>
-          <a:ln>
-            <a:noFill/>
-          </a:ln>
-        </p:spPr>
-        <p:style>
-          <a:lnRef idx="2">
-            <a:schemeClr val="accent1">
-              <a:shade val="50000"/>
-            </a:schemeClr>
-          </a:lnRef>
-          <a:fillRef idx="1">
-            <a:schemeClr val="accent1"/>
-          </a:fillRef>
-          <a:effectRef idx="0">
-            <a:schemeClr val="accent1"/>
-          </a:effectRef>
-          <a:fontRef idx="minor">
-            <a:schemeClr val="lt1"/>
-          </a:fontRef>
-        </p:style>
-        <p:txBody>
-          <a:bodyPr rtlCol="0" anchor="ctr"/>
-          <a:lstStyle/>
-          <a:p>
-            <a:pPr algn="ctr"/>
-            <a:r>
-              <a:rPr lang="en-US" dirty="0">
-                <a:solidFill>
-                  <a:srgbClr val="FFC000"/>
-                </a:solidFill>
-              </a:rPr>
-              <a:t>Policies</a:t>
-            </a:r>
-          </a:p>
-        </p:txBody>
-      </p:sp>
-      <p:sp>
-        <p:nvSpPr>
-          <p:cNvPr id="2" name="Rounded Rectangle 1">
-            <a:extLst>
-              <a:ext uri="{FF2B5EF4-FFF2-40B4-BE49-F238E27FC236}">
-                <a16:creationId xmlns:a16="http://schemas.microsoft.com/office/drawing/2014/main" id="{3E11D17A-0AA2-D330-2DB2-4A272ACE0608}"/>
-              </a:ext>
-            </a:extLst>
-          </p:cNvPr>
-          <p:cNvSpPr/>
-          <p:nvPr/>
-        </p:nvSpPr>
-        <p:spPr>
-          <a:xfrm>
-            <a:off x="4874606" y="2939709"/>
-            <a:ext cx="1751039" cy="647451"/>
-          </a:xfrm>
-          <a:prstGeom prst="roundRect">
-            <a:avLst/>
-          </a:prstGeom>
-          <a:noFill/>
-          <a:ln w="28575"/>
-        </p:spPr>
-        <p:style>
-          <a:lnRef idx="2">
-            <a:schemeClr val="accent1">
-              <a:shade val="15000"/>
-            </a:schemeClr>
-          </a:lnRef>
-          <a:fillRef idx="1">
-            <a:schemeClr val="accent1"/>
-          </a:fillRef>
-          <a:effectRef idx="0">
-            <a:schemeClr val="accent1"/>
-          </a:effectRef>
-          <a:fontRef idx="minor">
-            <a:schemeClr val="lt1"/>
-          </a:fontRef>
-        </p:style>
-        <p:txBody>
-          <a:bodyPr rtlCol="0" anchor="ctr"/>
-          <a:lstStyle/>
-          <a:p>
-            <a:pPr algn="ctr"/>
-            <a:r>
-              <a:rPr lang="en-US" b="1" dirty="0">
-                <a:solidFill>
-                  <a:schemeClr val="tx1"/>
-                </a:solidFill>
-              </a:rPr>
-              <a:t>Environment</a:t>
-            </a:r>
-          </a:p>
-        </p:txBody>
-      </p:sp>
-      <p:grpSp>
-        <p:nvGrpSpPr>
-          <p:cNvPr id="151" name="Group 150">
-            <a:extLst>
-              <a:ext uri="{FF2B5EF4-FFF2-40B4-BE49-F238E27FC236}">
-                <a16:creationId xmlns:a16="http://schemas.microsoft.com/office/drawing/2014/main" id="{FF63AB98-E3D0-1163-9144-D6A25CB04818}"/>
-              </a:ext>
-            </a:extLst>
-          </p:cNvPr>
-          <p:cNvGrpSpPr/>
-          <p:nvPr/>
-        </p:nvGrpSpPr>
-        <p:grpSpPr>
-          <a:xfrm>
-            <a:off x="3283029" y="4120531"/>
-            <a:ext cx="2665234" cy="926596"/>
-            <a:chOff x="2839454" y="3502152"/>
-            <a:chExt cx="2665234" cy="926596"/>
-          </a:xfrm>
-        </p:grpSpPr>
-        <p:sp>
-          <p:nvSpPr>
-            <p:cNvPr id="50" name="Rounded Rectangle 49">
-              <a:extLst>
-                <a:ext uri="{FF2B5EF4-FFF2-40B4-BE49-F238E27FC236}">
-                  <a16:creationId xmlns:a16="http://schemas.microsoft.com/office/drawing/2014/main" id="{3DCBF857-DA34-9F5F-5548-D7678E379074}"/>
-                </a:ext>
-              </a:extLst>
-            </p:cNvPr>
-            <p:cNvSpPr/>
-            <p:nvPr/>
-          </p:nvSpPr>
-          <p:spPr>
-            <a:xfrm>
-              <a:off x="2839454" y="3502152"/>
-              <a:ext cx="2665234" cy="926596"/>
-            </a:xfrm>
-            <a:prstGeom prst="roundRect">
-              <a:avLst/>
-            </a:prstGeom>
-            <a:noFill/>
-            <a:ln w="28575"/>
-          </p:spPr>
-          <p:style>
-            <a:lnRef idx="2">
-              <a:schemeClr val="accent1">
-                <a:shade val="15000"/>
-              </a:schemeClr>
-            </a:lnRef>
-            <a:fillRef idx="1">
-              <a:schemeClr val="accent1"/>
-            </a:fillRef>
-            <a:effectRef idx="0">
-              <a:schemeClr val="accent1"/>
-            </a:effectRef>
-            <a:fontRef idx="minor">
-              <a:schemeClr val="lt1"/>
-            </a:fontRef>
-          </p:style>
-          <p:txBody>
-            <a:bodyPr rtlCol="0" anchor="t" anchorCtr="0"/>
-            <a:lstStyle/>
-            <a:p>
-              <a:pPr algn="ctr"/>
-              <a:r>
-                <a:rPr lang="en-US" b="1" dirty="0">
-                  <a:solidFill>
-                    <a:schemeClr val="tx1"/>
-                  </a:solidFill>
-                </a:rPr>
-                <a:t>Transition Blocks</a:t>
-              </a:r>
-            </a:p>
-          </p:txBody>
-        </p:sp>
-        <p:sp>
-          <p:nvSpPr>
-            <p:cNvPr id="54" name="Oval 53">
-              <a:extLst>
-                <a:ext uri="{FF2B5EF4-FFF2-40B4-BE49-F238E27FC236}">
-                  <a16:creationId xmlns:a16="http://schemas.microsoft.com/office/drawing/2014/main" id="{8D7E9438-E355-0E61-69AC-E54514F8B335}"/>
-                </a:ext>
-              </a:extLst>
-            </p:cNvPr>
-            <p:cNvSpPr/>
-            <p:nvPr/>
-          </p:nvSpPr>
-          <p:spPr>
-            <a:xfrm>
-              <a:off x="2900959" y="3881252"/>
-              <a:ext cx="1152535" cy="421298"/>
-            </a:xfrm>
-            <a:prstGeom prst="ellipse">
-              <a:avLst/>
-            </a:prstGeom>
-            <a:noFill/>
-            <a:ln w="12700">
-              <a:solidFill>
-                <a:schemeClr val="tx1"/>
-              </a:solidFill>
-            </a:ln>
-          </p:spPr>
-          <p:style>
-            <a:lnRef idx="2">
-              <a:schemeClr val="accent1">
-                <a:shade val="15000"/>
-              </a:schemeClr>
-            </a:lnRef>
-            <a:fillRef idx="1">
-              <a:schemeClr val="accent1"/>
-            </a:fillRef>
-            <a:effectRef idx="0">
-              <a:schemeClr val="accent1"/>
-            </a:effectRef>
-            <a:fontRef idx="minor">
-              <a:schemeClr val="lt1"/>
-            </a:fontRef>
-          </p:style>
-          <p:txBody>
-            <a:bodyPr rtlCol="0" anchor="ctr"/>
-            <a:lstStyle/>
-            <a:p>
-              <a:pPr algn="ctr"/>
-              <a:r>
-                <a:rPr lang="en-US" sz="1200" dirty="0">
-                  <a:solidFill>
-                    <a:schemeClr val="tx1"/>
-                  </a:solidFill>
-                </a:rPr>
-                <a:t>Inventory</a:t>
-              </a:r>
-            </a:p>
-          </p:txBody>
-        </p:sp>
-        <p:sp>
-          <p:nvSpPr>
-            <p:cNvPr id="55" name="Oval 54">
-              <a:extLst>
-                <a:ext uri="{FF2B5EF4-FFF2-40B4-BE49-F238E27FC236}">
-                  <a16:creationId xmlns:a16="http://schemas.microsoft.com/office/drawing/2014/main" id="{282E5FCB-F24A-36E6-AEFC-9BACEEA7A5BE}"/>
-                </a:ext>
-              </a:extLst>
-            </p:cNvPr>
-            <p:cNvSpPr/>
-            <p:nvPr/>
-          </p:nvSpPr>
-          <p:spPr>
-            <a:xfrm>
-              <a:off x="4279849" y="3900246"/>
-              <a:ext cx="1152535" cy="421298"/>
-            </a:xfrm>
-            <a:prstGeom prst="ellipse">
-              <a:avLst/>
-            </a:prstGeom>
-            <a:noFill/>
-            <a:ln w="12700">
-              <a:solidFill>
-                <a:schemeClr val="tx1"/>
-              </a:solidFill>
-            </a:ln>
-          </p:spPr>
-          <p:style>
-            <a:lnRef idx="2">
-              <a:schemeClr val="accent1">
-                <a:shade val="15000"/>
-              </a:schemeClr>
-            </a:lnRef>
-            <a:fillRef idx="1">
-              <a:schemeClr val="accent1"/>
-            </a:fillRef>
-            <a:effectRef idx="0">
-              <a:schemeClr val="accent1"/>
-            </a:effectRef>
-            <a:fontRef idx="minor">
-              <a:schemeClr val="lt1"/>
-            </a:fontRef>
-          </p:style>
-          <p:txBody>
-            <a:bodyPr rtlCol="0" anchor="ctr"/>
-            <a:lstStyle/>
-            <a:p>
-              <a:pPr algn="ctr"/>
-              <a:r>
-                <a:rPr lang="en-US" sz="1200" dirty="0">
-                  <a:solidFill>
-                    <a:schemeClr val="tx1"/>
-                  </a:solidFill>
-                </a:rPr>
-                <a:t>Routing</a:t>
-              </a:r>
-            </a:p>
-          </p:txBody>
-        </p:sp>
-      </p:grpSp>
-      <p:grpSp>
-        <p:nvGrpSpPr>
-          <p:cNvPr id="150" name="Group 149">
-            <a:extLst>
-              <a:ext uri="{FF2B5EF4-FFF2-40B4-BE49-F238E27FC236}">
-                <a16:creationId xmlns:a16="http://schemas.microsoft.com/office/drawing/2014/main" id="{7F5CC352-F3AD-3C9C-2274-57BE3EFB42C0}"/>
-              </a:ext>
-            </a:extLst>
-          </p:cNvPr>
-          <p:cNvGrpSpPr/>
-          <p:nvPr/>
-        </p:nvGrpSpPr>
-        <p:grpSpPr>
-          <a:xfrm>
-            <a:off x="3758289" y="1314905"/>
-            <a:ext cx="4255008" cy="1066195"/>
-            <a:chOff x="6096001" y="1170485"/>
-            <a:chExt cx="4255008" cy="1066195"/>
-          </a:xfrm>
-        </p:grpSpPr>
-        <p:sp>
-          <p:nvSpPr>
-            <p:cNvPr id="49" name="Rounded Rectangle 48">
-              <a:extLst>
-                <a:ext uri="{FF2B5EF4-FFF2-40B4-BE49-F238E27FC236}">
-                  <a16:creationId xmlns:a16="http://schemas.microsoft.com/office/drawing/2014/main" id="{3B54D7D8-0DE5-2C65-0D24-591510A32DB1}"/>
-                </a:ext>
-              </a:extLst>
-            </p:cNvPr>
-            <p:cNvSpPr/>
-            <p:nvPr/>
-          </p:nvSpPr>
-          <p:spPr>
-            <a:xfrm>
-              <a:off x="6096001" y="1170485"/>
-              <a:ext cx="4255008" cy="1066195"/>
-            </a:xfrm>
-            <a:prstGeom prst="roundRect">
-              <a:avLst/>
-            </a:prstGeom>
-            <a:noFill/>
-            <a:ln w="28575"/>
-          </p:spPr>
-          <p:style>
-            <a:lnRef idx="2">
-              <a:schemeClr val="accent1">
-                <a:shade val="15000"/>
-              </a:schemeClr>
-            </a:lnRef>
-            <a:fillRef idx="1">
-              <a:schemeClr val="accent1"/>
-            </a:fillRef>
-            <a:effectRef idx="0">
-              <a:schemeClr val="accent1"/>
-            </a:effectRef>
-            <a:fontRef idx="minor">
-              <a:schemeClr val="lt1"/>
-            </a:fontRef>
-          </p:style>
-          <p:txBody>
-            <a:bodyPr rtlCol="0" anchor="t" anchorCtr="0"/>
-            <a:lstStyle/>
-            <a:p>
-              <a:pPr algn="ctr"/>
-              <a:r>
-                <a:rPr lang="en-US" b="1" dirty="0">
-                  <a:solidFill>
-                    <a:schemeClr val="tx1"/>
-                  </a:solidFill>
-                </a:rPr>
-                <a:t>Policies</a:t>
-              </a:r>
-            </a:p>
-          </p:txBody>
-        </p:sp>
-        <p:sp>
-          <p:nvSpPr>
-            <p:cNvPr id="109" name="Oval 108">
-              <a:extLst>
-                <a:ext uri="{FF2B5EF4-FFF2-40B4-BE49-F238E27FC236}">
-                  <a16:creationId xmlns:a16="http://schemas.microsoft.com/office/drawing/2014/main" id="{8F411FA5-6145-5ADC-6E04-70087EC0D25D}"/>
-                </a:ext>
-              </a:extLst>
-            </p:cNvPr>
-            <p:cNvSpPr/>
-            <p:nvPr/>
-          </p:nvSpPr>
-          <p:spPr>
-            <a:xfrm>
-              <a:off x="9081636" y="1624482"/>
-              <a:ext cx="1152535" cy="421298"/>
-            </a:xfrm>
-            <a:prstGeom prst="ellipse">
-              <a:avLst/>
-            </a:prstGeom>
-            <a:noFill/>
-            <a:ln w="12700">
-              <a:solidFill>
-                <a:schemeClr val="tx1"/>
-              </a:solidFill>
-            </a:ln>
-          </p:spPr>
-          <p:style>
-            <a:lnRef idx="2">
-              <a:schemeClr val="accent1">
-                <a:shade val="15000"/>
-              </a:schemeClr>
-            </a:lnRef>
-            <a:fillRef idx="1">
-              <a:schemeClr val="accent1"/>
-            </a:fillRef>
-            <a:effectRef idx="0">
-              <a:schemeClr val="accent1"/>
-            </a:effectRef>
-            <a:fontRef idx="minor">
-              <a:schemeClr val="lt1"/>
-            </a:fontRef>
-          </p:style>
-          <p:txBody>
-            <a:bodyPr rtlCol="0" anchor="ctr"/>
-            <a:lstStyle/>
-            <a:p>
-              <a:pPr algn="ctr"/>
-              <a:r>
-                <a:rPr lang="en-US" sz="1200" dirty="0">
-                  <a:solidFill>
-                    <a:schemeClr val="tx1"/>
-                  </a:solidFill>
-                </a:rPr>
-                <a:t>Routing</a:t>
-              </a:r>
-            </a:p>
-          </p:txBody>
-        </p:sp>
-        <p:sp>
-          <p:nvSpPr>
-            <p:cNvPr id="110" name="Oval 109">
-              <a:extLst>
-                <a:ext uri="{FF2B5EF4-FFF2-40B4-BE49-F238E27FC236}">
-                  <a16:creationId xmlns:a16="http://schemas.microsoft.com/office/drawing/2014/main" id="{506F9F92-1194-1209-0955-24F1123EE390}"/>
-                </a:ext>
-              </a:extLst>
-            </p:cNvPr>
-            <p:cNvSpPr/>
-            <p:nvPr/>
-          </p:nvSpPr>
-          <p:spPr>
-            <a:xfrm>
-              <a:off x="6151204" y="1613853"/>
-              <a:ext cx="1234248" cy="442557"/>
-            </a:xfrm>
-            <a:prstGeom prst="ellipse">
-              <a:avLst/>
-            </a:prstGeom>
-            <a:noFill/>
-            <a:ln w="12700">
-              <a:solidFill>
-                <a:schemeClr val="tx1"/>
-              </a:solidFill>
-            </a:ln>
-          </p:spPr>
-          <p:style>
-            <a:lnRef idx="2">
-              <a:schemeClr val="accent1">
-                <a:shade val="15000"/>
-              </a:schemeClr>
-            </a:lnRef>
-            <a:fillRef idx="1">
-              <a:schemeClr val="accent1"/>
-            </a:fillRef>
-            <a:effectRef idx="0">
-              <a:schemeClr val="accent1"/>
-            </a:effectRef>
-            <a:fontRef idx="minor">
-              <a:schemeClr val="lt1"/>
-            </a:fontRef>
-          </p:style>
-          <p:txBody>
-            <a:bodyPr rtlCol="0" anchor="ctr"/>
-            <a:lstStyle/>
-            <a:p>
-              <a:pPr algn="ctr"/>
-              <a:r>
-                <a:rPr lang="en-US" sz="1200" dirty="0">
-                  <a:solidFill>
-                    <a:schemeClr val="tx1"/>
-                  </a:solidFill>
-                </a:rPr>
-                <a:t>Purchasing</a:t>
-              </a:r>
-            </a:p>
-          </p:txBody>
-        </p:sp>
-        <p:sp>
-          <p:nvSpPr>
-            <p:cNvPr id="114" name="Oval 113">
-              <a:extLst>
-                <a:ext uri="{FF2B5EF4-FFF2-40B4-BE49-F238E27FC236}">
-                  <a16:creationId xmlns:a16="http://schemas.microsoft.com/office/drawing/2014/main" id="{64B1E67F-8F9C-00BA-58CA-E90BCC9EC367}"/>
-                </a:ext>
-              </a:extLst>
-            </p:cNvPr>
-            <p:cNvSpPr/>
-            <p:nvPr/>
-          </p:nvSpPr>
-          <p:spPr>
-            <a:xfrm>
-              <a:off x="7503731" y="1574151"/>
-              <a:ext cx="1459626" cy="551701"/>
-            </a:xfrm>
-            <a:prstGeom prst="ellipse">
-              <a:avLst/>
-            </a:prstGeom>
-            <a:noFill/>
-            <a:ln w="12700">
-              <a:solidFill>
-                <a:schemeClr val="tx1"/>
-              </a:solidFill>
-            </a:ln>
-          </p:spPr>
-          <p:style>
-            <a:lnRef idx="2">
-              <a:schemeClr val="accent1">
-                <a:shade val="15000"/>
-              </a:schemeClr>
-            </a:lnRef>
-            <a:fillRef idx="1">
-              <a:schemeClr val="accent1"/>
-            </a:fillRef>
-            <a:effectRef idx="0">
-              <a:schemeClr val="accent1"/>
-            </a:effectRef>
-            <a:fontRef idx="minor">
-              <a:schemeClr val="lt1"/>
-            </a:fontRef>
-          </p:style>
-          <p:txBody>
-            <a:bodyPr rtlCol="0" anchor="ctr"/>
-            <a:lstStyle/>
-            <a:p>
-              <a:pPr algn="ctr"/>
-              <a:r>
-                <a:rPr lang="en-US" sz="1200" dirty="0">
-                  <a:solidFill>
-                    <a:schemeClr val="tx1"/>
-                  </a:solidFill>
-                </a:rPr>
-                <a:t>Inventory Management</a:t>
-              </a:r>
-            </a:p>
-          </p:txBody>
-        </p:sp>
-      </p:grpSp>
-      <p:grpSp>
-        <p:nvGrpSpPr>
-          <p:cNvPr id="132" name="Group 131">
-            <a:extLst>
-              <a:ext uri="{FF2B5EF4-FFF2-40B4-BE49-F238E27FC236}">
-                <a16:creationId xmlns:a16="http://schemas.microsoft.com/office/drawing/2014/main" id="{CABFF8F2-A688-A8F5-EB9B-2C43C7CD1411}"/>
-              </a:ext>
-            </a:extLst>
-          </p:cNvPr>
-          <p:cNvGrpSpPr/>
-          <p:nvPr/>
-        </p:nvGrpSpPr>
-        <p:grpSpPr>
-          <a:xfrm>
-            <a:off x="6421883" y="3741714"/>
-            <a:ext cx="2784166" cy="1477616"/>
-            <a:chOff x="4687892" y="3416848"/>
-            <a:chExt cx="2784166" cy="1477616"/>
-          </a:xfrm>
-        </p:grpSpPr>
-        <p:sp>
-          <p:nvSpPr>
-            <p:cNvPr id="14" name="Rounded Rectangle 13">
-              <a:extLst>
-                <a:ext uri="{FF2B5EF4-FFF2-40B4-BE49-F238E27FC236}">
-                  <a16:creationId xmlns:a16="http://schemas.microsoft.com/office/drawing/2014/main" id="{8921A3EB-C498-363D-A30E-D43CB2914FEC}"/>
-                </a:ext>
-              </a:extLst>
-            </p:cNvPr>
-            <p:cNvSpPr/>
-            <p:nvPr/>
-          </p:nvSpPr>
-          <p:spPr>
-            <a:xfrm>
-              <a:off x="4687892" y="3416848"/>
-              <a:ext cx="2784166" cy="1477616"/>
-            </a:xfrm>
-            <a:prstGeom prst="roundRect">
-              <a:avLst/>
-            </a:prstGeom>
-            <a:noFill/>
-            <a:ln w="28575"/>
-          </p:spPr>
-          <p:style>
-            <a:lnRef idx="2">
-              <a:schemeClr val="accent1">
-                <a:shade val="15000"/>
-              </a:schemeClr>
-            </a:lnRef>
-            <a:fillRef idx="1">
-              <a:schemeClr val="accent1"/>
-            </a:fillRef>
-            <a:effectRef idx="0">
-              <a:schemeClr val="accent1"/>
-            </a:effectRef>
-            <a:fontRef idx="minor">
-              <a:schemeClr val="lt1"/>
-            </a:fontRef>
-          </p:style>
-          <p:txBody>
-            <a:bodyPr rtlCol="0" anchor="t" anchorCtr="0"/>
-            <a:lstStyle/>
-            <a:p>
-              <a:pPr algn="ctr"/>
-              <a:r>
-                <a:rPr lang="en-US" b="1" dirty="0">
-                  <a:solidFill>
-                    <a:schemeClr val="tx1"/>
-                  </a:solidFill>
-                </a:rPr>
-                <a:t>Instance</a:t>
-              </a:r>
-              <a:r>
-                <a:rPr lang="en-US" dirty="0">
-                  <a:solidFill>
-                    <a:schemeClr val="tx1"/>
-                  </a:solidFill>
-                </a:rPr>
-                <a:t> </a:t>
-              </a:r>
-              <a:r>
-                <a:rPr lang="en-US" b="1" dirty="0">
-                  <a:solidFill>
-                    <a:schemeClr val="tx1"/>
-                  </a:solidFill>
-                </a:rPr>
-                <a:t>Generator</a:t>
-              </a:r>
-            </a:p>
-          </p:txBody>
-        </p:sp>
-        <p:sp>
-          <p:nvSpPr>
-            <p:cNvPr id="115" name="Oval 114">
-              <a:extLst>
-                <a:ext uri="{FF2B5EF4-FFF2-40B4-BE49-F238E27FC236}">
-                  <a16:creationId xmlns:a16="http://schemas.microsoft.com/office/drawing/2014/main" id="{97679D10-D68C-7273-81ED-F3117F275521}"/>
-                </a:ext>
-              </a:extLst>
-            </p:cNvPr>
-            <p:cNvSpPr/>
-            <p:nvPr/>
-          </p:nvSpPr>
-          <p:spPr>
-            <a:xfrm>
-              <a:off x="6163546" y="3853383"/>
-              <a:ext cx="1152535" cy="421298"/>
-            </a:xfrm>
-            <a:prstGeom prst="ellipse">
-              <a:avLst/>
-            </a:prstGeom>
-            <a:noFill/>
-            <a:ln w="12700">
-              <a:solidFill>
-                <a:schemeClr val="tx1"/>
-              </a:solidFill>
-            </a:ln>
-          </p:spPr>
-          <p:style>
-            <a:lnRef idx="2">
-              <a:schemeClr val="accent1">
-                <a:shade val="15000"/>
-              </a:schemeClr>
-            </a:lnRef>
-            <a:fillRef idx="1">
-              <a:schemeClr val="accent1"/>
-            </a:fillRef>
-            <a:effectRef idx="0">
-              <a:schemeClr val="accent1"/>
-            </a:effectRef>
-            <a:fontRef idx="minor">
-              <a:schemeClr val="lt1"/>
-            </a:fontRef>
-          </p:style>
-          <p:txBody>
-            <a:bodyPr rtlCol="0" anchor="ctr"/>
-            <a:lstStyle/>
-            <a:p>
-              <a:pPr algn="ctr"/>
-              <a:r>
-                <a:rPr lang="en-US" sz="1200" dirty="0">
-                  <a:solidFill>
-                    <a:schemeClr val="tx1"/>
-                  </a:solidFill>
-                </a:rPr>
-                <a:t>Costs</a:t>
-              </a:r>
-            </a:p>
-          </p:txBody>
-        </p:sp>
-        <p:sp>
-          <p:nvSpPr>
-            <p:cNvPr id="116" name="Oval 115">
-              <a:extLst>
-                <a:ext uri="{FF2B5EF4-FFF2-40B4-BE49-F238E27FC236}">
-                  <a16:creationId xmlns:a16="http://schemas.microsoft.com/office/drawing/2014/main" id="{566FA4D4-988F-4BE2-3488-81C33943268F}"/>
-                </a:ext>
-              </a:extLst>
-            </p:cNvPr>
-            <p:cNvSpPr/>
-            <p:nvPr/>
-          </p:nvSpPr>
-          <p:spPr>
-            <a:xfrm>
-              <a:off x="6162111" y="4360207"/>
-              <a:ext cx="1152535" cy="421298"/>
-            </a:xfrm>
-            <a:prstGeom prst="ellipse">
-              <a:avLst/>
-            </a:prstGeom>
-            <a:noFill/>
-            <a:ln w="12700">
-              <a:solidFill>
-                <a:schemeClr val="tx1"/>
-              </a:solidFill>
-            </a:ln>
-          </p:spPr>
-          <p:style>
-            <a:lnRef idx="2">
-              <a:schemeClr val="accent1">
-                <a:shade val="15000"/>
-              </a:schemeClr>
-            </a:lnRef>
-            <a:fillRef idx="1">
-              <a:schemeClr val="accent1"/>
-            </a:fillRef>
-            <a:effectRef idx="0">
-              <a:schemeClr val="accent1"/>
-            </a:effectRef>
-            <a:fontRef idx="minor">
-              <a:schemeClr val="lt1"/>
-            </a:fontRef>
-          </p:style>
-          <p:txBody>
-            <a:bodyPr rtlCol="0" anchor="ctr"/>
-            <a:lstStyle/>
-            <a:p>
-              <a:pPr algn="ctr"/>
-              <a:r>
-                <a:rPr lang="en-US" sz="1200" dirty="0">
-                  <a:solidFill>
-                    <a:schemeClr val="tx1"/>
-                  </a:solidFill>
-                </a:rPr>
-                <a:t>Demand</a:t>
-              </a:r>
-            </a:p>
-          </p:txBody>
-        </p:sp>
-        <p:sp>
-          <p:nvSpPr>
-            <p:cNvPr id="117" name="Oval 116">
-              <a:extLst>
-                <a:ext uri="{FF2B5EF4-FFF2-40B4-BE49-F238E27FC236}">
-                  <a16:creationId xmlns:a16="http://schemas.microsoft.com/office/drawing/2014/main" id="{B39EFE14-C39F-819F-6CF7-C9294968F434}"/>
-                </a:ext>
-              </a:extLst>
-            </p:cNvPr>
-            <p:cNvSpPr/>
-            <p:nvPr/>
-          </p:nvSpPr>
-          <p:spPr>
-            <a:xfrm>
-              <a:off x="4855586" y="4360207"/>
-              <a:ext cx="1152535" cy="421298"/>
-            </a:xfrm>
-            <a:prstGeom prst="ellipse">
-              <a:avLst/>
-            </a:prstGeom>
-            <a:noFill/>
-            <a:ln w="12700">
-              <a:solidFill>
-                <a:schemeClr val="tx1"/>
-              </a:solidFill>
-            </a:ln>
-          </p:spPr>
-          <p:style>
-            <a:lnRef idx="2">
-              <a:schemeClr val="accent1">
-                <a:shade val="15000"/>
-              </a:schemeClr>
-            </a:lnRef>
-            <a:fillRef idx="1">
-              <a:schemeClr val="accent1"/>
-            </a:fillRef>
-            <a:effectRef idx="0">
-              <a:schemeClr val="accent1"/>
-            </a:effectRef>
-            <a:fontRef idx="minor">
-              <a:schemeClr val="lt1"/>
-            </a:fontRef>
-          </p:style>
-          <p:txBody>
-            <a:bodyPr rtlCol="0" anchor="ctr"/>
-            <a:lstStyle/>
-            <a:p>
-              <a:pPr algn="ctr"/>
-              <a:r>
-                <a:rPr lang="en-US" sz="1200" dirty="0">
-                  <a:solidFill>
-                    <a:schemeClr val="tx1"/>
-                  </a:solidFill>
-                </a:rPr>
-                <a:t>Offer</a:t>
-              </a:r>
-            </a:p>
-          </p:txBody>
-        </p:sp>
-        <p:sp>
-          <p:nvSpPr>
-            <p:cNvPr id="118" name="Oval 117">
-              <a:extLst>
-                <a:ext uri="{FF2B5EF4-FFF2-40B4-BE49-F238E27FC236}">
-                  <a16:creationId xmlns:a16="http://schemas.microsoft.com/office/drawing/2014/main" id="{B5B1BE38-785E-E66A-15E0-80339DCB115A}"/>
-                </a:ext>
-              </a:extLst>
-            </p:cNvPr>
-            <p:cNvSpPr/>
-            <p:nvPr/>
-          </p:nvSpPr>
-          <p:spPr>
-            <a:xfrm>
-              <a:off x="4849452" y="3853383"/>
-              <a:ext cx="1152535" cy="421298"/>
-            </a:xfrm>
-            <a:prstGeom prst="ellipse">
-              <a:avLst/>
-            </a:prstGeom>
-            <a:noFill/>
-            <a:ln w="12700">
-              <a:solidFill>
-                <a:schemeClr val="tx1"/>
-              </a:solidFill>
-            </a:ln>
-          </p:spPr>
-          <p:style>
-            <a:lnRef idx="2">
-              <a:schemeClr val="accent1">
-                <a:shade val="15000"/>
-              </a:schemeClr>
-            </a:lnRef>
-            <a:fillRef idx="1">
-              <a:schemeClr val="accent1"/>
-            </a:fillRef>
-            <a:effectRef idx="0">
-              <a:schemeClr val="accent1"/>
-            </a:effectRef>
-            <a:fontRef idx="minor">
-              <a:schemeClr val="lt1"/>
-            </a:fontRef>
-          </p:style>
-          <p:txBody>
-            <a:bodyPr rtlCol="0" anchor="ctr"/>
-            <a:lstStyle/>
-            <a:p>
-              <a:pPr algn="ctr"/>
-              <a:r>
-                <a:rPr lang="en-US" sz="1200" dirty="0">
-                  <a:solidFill>
-                    <a:schemeClr val="tx1"/>
-                  </a:solidFill>
-                </a:rPr>
-                <a:t>Locations</a:t>
-              </a:r>
-            </a:p>
-          </p:txBody>
-        </p:sp>
-      </p:grpSp>
-      <p:cxnSp>
-        <p:nvCxnSpPr>
-          <p:cNvPr id="153" name="Straight Connector 152">
-            <a:extLst>
-              <a:ext uri="{FF2B5EF4-FFF2-40B4-BE49-F238E27FC236}">
-                <a16:creationId xmlns:a16="http://schemas.microsoft.com/office/drawing/2014/main" id="{8C7E532F-DD61-26B9-CC10-F523162DFA12}"/>
-              </a:ext>
-            </a:extLst>
-          </p:cNvPr>
-          <p:cNvCxnSpPr>
-            <a:cxnSpLocks/>
-          </p:cNvCxnSpPr>
-          <p:nvPr/>
-        </p:nvCxnSpPr>
-        <p:spPr>
-          <a:xfrm flipH="1">
-            <a:off x="3054095" y="3370203"/>
-            <a:ext cx="1800000" cy="0"/>
-          </a:xfrm>
-          <a:prstGeom prst="line">
-            <a:avLst/>
-          </a:prstGeom>
-          <a:ln w="28575">
-            <a:solidFill>
-              <a:schemeClr val="tx1"/>
-            </a:solidFill>
-          </a:ln>
-        </p:spPr>
-        <p:style>
-          <a:lnRef idx="1">
-            <a:schemeClr val="accent1"/>
-          </a:lnRef>
-          <a:fillRef idx="0">
-            <a:schemeClr val="accent1"/>
-          </a:fillRef>
-          <a:effectRef idx="0">
-            <a:schemeClr val="accent1"/>
-          </a:effectRef>
-          <a:fontRef idx="minor">
-            <a:schemeClr val="tx1"/>
-          </a:fontRef>
-        </p:style>
-      </p:cxnSp>
-      <p:cxnSp>
-        <p:nvCxnSpPr>
-          <p:cNvPr id="154" name="Straight Connector 153">
-            <a:extLst>
-              <a:ext uri="{FF2B5EF4-FFF2-40B4-BE49-F238E27FC236}">
-                <a16:creationId xmlns:a16="http://schemas.microsoft.com/office/drawing/2014/main" id="{9C6D9F1E-DEE8-6C72-7019-B4DF9ED07D7C}"/>
-              </a:ext>
-            </a:extLst>
-          </p:cNvPr>
-          <p:cNvCxnSpPr>
-            <a:cxnSpLocks/>
-          </p:cNvCxnSpPr>
-          <p:nvPr/>
-        </p:nvCxnSpPr>
-        <p:spPr>
-          <a:xfrm>
-            <a:off x="3053318" y="1611296"/>
-            <a:ext cx="1" cy="1771200"/>
-          </a:xfrm>
-          <a:prstGeom prst="line">
-            <a:avLst/>
-          </a:prstGeom>
-          <a:ln w="28575">
-            <a:solidFill>
-              <a:schemeClr val="tx1"/>
-            </a:solidFill>
-          </a:ln>
-        </p:spPr>
-        <p:style>
-          <a:lnRef idx="1">
-            <a:schemeClr val="accent1"/>
-          </a:lnRef>
-          <a:fillRef idx="0">
-            <a:schemeClr val="accent1"/>
-          </a:fillRef>
-          <a:effectRef idx="0">
-            <a:schemeClr val="accent1"/>
-          </a:effectRef>
-          <a:fontRef idx="minor">
-            <a:schemeClr val="tx1"/>
-          </a:fontRef>
-        </p:style>
-      </p:cxnSp>
-      <p:cxnSp>
-        <p:nvCxnSpPr>
-          <p:cNvPr id="157" name="Straight Connector 156">
-            <a:extLst>
-              <a:ext uri="{FF2B5EF4-FFF2-40B4-BE49-F238E27FC236}">
-                <a16:creationId xmlns:a16="http://schemas.microsoft.com/office/drawing/2014/main" id="{63A608DF-49F7-81C3-46FA-1F7622C30E67}"/>
-              </a:ext>
-            </a:extLst>
-          </p:cNvPr>
-          <p:cNvCxnSpPr>
-            <a:cxnSpLocks/>
-          </p:cNvCxnSpPr>
-          <p:nvPr/>
-        </p:nvCxnSpPr>
-        <p:spPr>
-          <a:xfrm flipH="1" flipV="1">
-            <a:off x="3054095" y="1620886"/>
-            <a:ext cx="720000" cy="0"/>
-          </a:xfrm>
-          <a:prstGeom prst="line">
-            <a:avLst/>
-          </a:prstGeom>
-          <a:ln w="28575">
-            <a:solidFill>
-              <a:schemeClr val="tx1"/>
-            </a:solidFill>
-            <a:headEnd type="triangle" w="med" len="med"/>
-            <a:tailEnd type="none" w="med" len="med"/>
-          </a:ln>
-        </p:spPr>
-        <p:style>
-          <a:lnRef idx="1">
-            <a:schemeClr val="accent1"/>
-          </a:lnRef>
-          <a:fillRef idx="0">
-            <a:schemeClr val="accent1"/>
-          </a:fillRef>
-          <a:effectRef idx="0">
-            <a:schemeClr val="accent1"/>
-          </a:effectRef>
-          <a:fontRef idx="minor">
-            <a:schemeClr val="tx1"/>
-          </a:fontRef>
-        </p:style>
-      </p:cxnSp>
-      <p:cxnSp>
-        <p:nvCxnSpPr>
-          <p:cNvPr id="161" name="Straight Connector 160">
-            <a:extLst>
-              <a:ext uri="{FF2B5EF4-FFF2-40B4-BE49-F238E27FC236}">
-                <a16:creationId xmlns:a16="http://schemas.microsoft.com/office/drawing/2014/main" id="{3A7EF99D-E1FE-6E2D-523E-0C4ED06012BE}"/>
-              </a:ext>
-            </a:extLst>
-          </p:cNvPr>
-          <p:cNvCxnSpPr>
-            <a:cxnSpLocks/>
-            <a:endCxn id="2" idx="3"/>
-          </p:cNvCxnSpPr>
-          <p:nvPr/>
-        </p:nvCxnSpPr>
-        <p:spPr>
-          <a:xfrm flipH="1">
-            <a:off x="6625645" y="3263435"/>
-            <a:ext cx="2180027" cy="0"/>
-          </a:xfrm>
-          <a:prstGeom prst="line">
-            <a:avLst/>
-          </a:prstGeom>
-          <a:ln w="28575">
-            <a:solidFill>
-              <a:schemeClr val="tx1"/>
-            </a:solidFill>
-            <a:headEnd type="none" w="med" len="med"/>
-            <a:tailEnd type="triangle" w="med" len="med"/>
-          </a:ln>
-        </p:spPr>
-        <p:style>
-          <a:lnRef idx="1">
-            <a:schemeClr val="accent1"/>
-          </a:lnRef>
-          <a:fillRef idx="0">
-            <a:schemeClr val="accent1"/>
-          </a:fillRef>
-          <a:effectRef idx="0">
-            <a:schemeClr val="accent1"/>
-          </a:effectRef>
-          <a:fontRef idx="minor">
-            <a:schemeClr val="tx1"/>
-          </a:fontRef>
-        </p:style>
-      </p:cxnSp>
-      <p:cxnSp>
-        <p:nvCxnSpPr>
-          <p:cNvPr id="164" name="Straight Connector 163">
-            <a:extLst>
-              <a:ext uri="{FF2B5EF4-FFF2-40B4-BE49-F238E27FC236}">
-                <a16:creationId xmlns:a16="http://schemas.microsoft.com/office/drawing/2014/main" id="{27E78BE7-D1F0-FC8D-5FC2-28B676E73A9A}"/>
-              </a:ext>
-            </a:extLst>
-          </p:cNvPr>
-          <p:cNvCxnSpPr>
-            <a:cxnSpLocks/>
-            <a:endCxn id="49" idx="3"/>
-          </p:cNvCxnSpPr>
-          <p:nvPr/>
-        </p:nvCxnSpPr>
-        <p:spPr>
-          <a:xfrm flipH="1">
-            <a:off x="8013297" y="1830748"/>
-            <a:ext cx="792375" cy="17255"/>
-          </a:xfrm>
-          <a:prstGeom prst="line">
-            <a:avLst/>
-          </a:prstGeom>
-          <a:ln w="28575">
-            <a:solidFill>
-              <a:schemeClr val="tx1"/>
-            </a:solidFill>
-          </a:ln>
-        </p:spPr>
-        <p:style>
-          <a:lnRef idx="1">
-            <a:schemeClr val="accent1"/>
-          </a:lnRef>
-          <a:fillRef idx="0">
-            <a:schemeClr val="accent1"/>
-          </a:fillRef>
-          <a:effectRef idx="0">
-            <a:schemeClr val="accent1"/>
-          </a:effectRef>
-          <a:fontRef idx="minor">
-            <a:schemeClr val="tx1"/>
-          </a:fontRef>
-        </p:style>
-      </p:cxnSp>
-      <p:cxnSp>
-        <p:nvCxnSpPr>
-          <p:cNvPr id="167" name="Straight Connector 166">
-            <a:extLst>
-              <a:ext uri="{FF2B5EF4-FFF2-40B4-BE49-F238E27FC236}">
-                <a16:creationId xmlns:a16="http://schemas.microsoft.com/office/drawing/2014/main" id="{91852D0B-4ABD-34A9-4B4D-0ED1BBF1FD03}"/>
-              </a:ext>
-            </a:extLst>
-          </p:cNvPr>
-          <p:cNvCxnSpPr>
-            <a:cxnSpLocks/>
-          </p:cNvCxnSpPr>
-          <p:nvPr/>
-        </p:nvCxnSpPr>
-        <p:spPr>
-          <a:xfrm>
-            <a:off x="8805672" y="1818046"/>
-            <a:ext cx="0" cy="1458000"/>
-          </a:xfrm>
-          <a:prstGeom prst="line">
-            <a:avLst/>
-          </a:prstGeom>
-          <a:ln w="28575">
-            <a:solidFill>
-              <a:schemeClr val="tx1"/>
-            </a:solidFill>
-          </a:ln>
-        </p:spPr>
-        <p:style>
-          <a:lnRef idx="1">
-            <a:schemeClr val="accent1"/>
-          </a:lnRef>
-          <a:fillRef idx="0">
-            <a:schemeClr val="accent1"/>
-          </a:fillRef>
-          <a:effectRef idx="0">
-            <a:schemeClr val="accent1"/>
-          </a:effectRef>
-          <a:fontRef idx="minor">
-            <a:schemeClr val="tx1"/>
-          </a:fontRef>
-        </p:style>
-      </p:cxnSp>
-      <p:cxnSp>
-        <p:nvCxnSpPr>
-          <p:cNvPr id="177" name="Straight Connector 176">
-            <a:extLst>
-              <a:ext uri="{FF2B5EF4-FFF2-40B4-BE49-F238E27FC236}">
-                <a16:creationId xmlns:a16="http://schemas.microsoft.com/office/drawing/2014/main" id="{04E62E52-7BF3-6F8C-F7E9-724FD00E6BE3}"/>
-              </a:ext>
-            </a:extLst>
-          </p:cNvPr>
-          <p:cNvCxnSpPr>
-            <a:cxnSpLocks/>
-          </p:cNvCxnSpPr>
-          <p:nvPr/>
-        </p:nvCxnSpPr>
-        <p:spPr>
-          <a:xfrm>
-            <a:off x="5555764" y="3601730"/>
-            <a:ext cx="0" cy="518801"/>
-          </a:xfrm>
-          <a:prstGeom prst="line">
-            <a:avLst/>
-          </a:prstGeom>
-          <a:ln w="28575">
-            <a:solidFill>
-              <a:schemeClr val="tx1"/>
-            </a:solidFill>
-            <a:headEnd type="none" w="med" len="med"/>
-            <a:tailEnd type="triangle" w="med" len="med"/>
-          </a:ln>
-        </p:spPr>
-        <p:style>
-          <a:lnRef idx="1">
-            <a:schemeClr val="accent1"/>
-          </a:lnRef>
-          <a:fillRef idx="0">
-            <a:schemeClr val="accent1"/>
-          </a:fillRef>
-          <a:effectRef idx="0">
-            <a:schemeClr val="accent1"/>
-          </a:effectRef>
-          <a:fontRef idx="minor">
-            <a:schemeClr val="tx1"/>
-          </a:fontRef>
-        </p:style>
-      </p:cxnSp>
-      <p:cxnSp>
-        <p:nvCxnSpPr>
-          <p:cNvPr id="192" name="Straight Connector 191">
-            <a:extLst>
-              <a:ext uri="{FF2B5EF4-FFF2-40B4-BE49-F238E27FC236}">
-                <a16:creationId xmlns:a16="http://schemas.microsoft.com/office/drawing/2014/main" id="{EE23B8E7-BF66-1719-FF10-6C2A06736A51}"/>
-              </a:ext>
-            </a:extLst>
-          </p:cNvPr>
-          <p:cNvCxnSpPr>
-            <a:cxnSpLocks/>
-          </p:cNvCxnSpPr>
-          <p:nvPr/>
-        </p:nvCxnSpPr>
-        <p:spPr>
-          <a:xfrm flipH="1" flipV="1">
-            <a:off x="6625645" y="3438101"/>
-            <a:ext cx="374539" cy="301460"/>
-          </a:xfrm>
-          <a:prstGeom prst="line">
-            <a:avLst/>
-          </a:prstGeom>
-          <a:ln w="28575">
-            <a:solidFill>
-              <a:schemeClr val="tx1"/>
-            </a:solidFill>
-            <a:prstDash val="sysDot"/>
-            <a:headEnd type="none" w="med" len="med"/>
-            <a:tailEnd type="triangle" w="med" len="med"/>
-          </a:ln>
-        </p:spPr>
-        <p:style>
-          <a:lnRef idx="1">
-            <a:schemeClr val="accent1"/>
-          </a:lnRef>
-          <a:fillRef idx="0">
-            <a:schemeClr val="accent1"/>
-          </a:fillRef>
-          <a:effectRef idx="0">
-            <a:schemeClr val="accent1"/>
-          </a:effectRef>
-          <a:fontRef idx="minor">
-            <a:schemeClr val="tx1"/>
-          </a:fontRef>
-        </p:style>
-      </p:cxnSp>
-      <mc:AlternateContent xmlns:mc="http://schemas.openxmlformats.org/markup-compatibility/2006">
-        <mc:Choice xmlns:a14="http://schemas.microsoft.com/office/drawing/2010/main" Requires="a14">
-          <p:sp>
-            <p:nvSpPr>
-              <p:cNvPr id="197" name="TextBox 196">
-                <a:extLst>
-                  <a:ext uri="{FF2B5EF4-FFF2-40B4-BE49-F238E27FC236}">
-                    <a16:creationId xmlns:a16="http://schemas.microsoft.com/office/drawing/2014/main" id="{E90CAC25-9E28-6DCE-0F4C-D5249E34F75E}"/>
-                  </a:ext>
-                </a:extLst>
-              </p:cNvPr>
-              <p:cNvSpPr txBox="1"/>
-              <p:nvPr/>
-            </p:nvSpPr>
-            <p:spPr>
-              <a:xfrm>
-                <a:off x="8849678" y="2412246"/>
-                <a:ext cx="286553" cy="276999"/>
-              </a:xfrm>
-              <a:prstGeom prst="rect">
-                <a:avLst/>
-              </a:prstGeom>
-              <a:noFill/>
-            </p:spPr>
-            <p:txBody>
-              <a:bodyPr wrap="none" lIns="0" tIns="0" rIns="0" bIns="0" rtlCol="0">
-                <a:spAutoFit/>
-              </a:bodyPr>
-              <a:lstStyle/>
-              <a:p>
-                <a14:m>
-                  <m:oMathPara xmlns:m="http://schemas.openxmlformats.org/officeDocument/2006/math">
-                    <m:oMathParaPr>
-                      <m:jc m:val="centerGroup"/>
-                    </m:oMathParaPr>
-                    <m:oMath xmlns:m="http://schemas.openxmlformats.org/officeDocument/2006/math">
-                      <m:sSub>
-                        <m:sSubPr>
-                          <m:ctrlPr>
-                            <a:rPr lang="en-US" b="0" i="1" smtClean="0">
-                              <a:latin typeface="Cambria Math" panose="02040503050406030204" pitchFamily="18" charset="0"/>
-                            </a:rPr>
-                          </m:ctrlPr>
-                        </m:sSubPr>
-                        <m:e>
-                          <m:r>
-                            <a:rPr lang="en-US" b="0" i="1" smtClean="0">
-                              <a:latin typeface="Cambria Math" panose="02040503050406030204" pitchFamily="18" charset="0"/>
-                            </a:rPr>
-                            <m:t>𝐴</m:t>
-                          </m:r>
-                        </m:e>
-                        <m:sub>
-                          <m:r>
-                            <a:rPr lang="en-US" b="0" i="1" smtClean="0">
-                              <a:latin typeface="Cambria Math" panose="02040503050406030204" pitchFamily="18" charset="0"/>
-                            </a:rPr>
-                            <m:t>𝑡</m:t>
-                          </m:r>
-                        </m:sub>
-                      </m:sSub>
-                    </m:oMath>
-                  </m:oMathPara>
-                </a14:m>
-                <a:endParaRPr lang="en-US" dirty="0"/>
-              </a:p>
-            </p:txBody>
-          </p:sp>
-        </mc:Choice>
-        <mc:Fallback>
-          <p:sp>
-            <p:nvSpPr>
-              <p:cNvPr id="197" name="TextBox 196">
-                <a:extLst>
-                  <a:ext uri="{FF2B5EF4-FFF2-40B4-BE49-F238E27FC236}">
-                    <a16:creationId xmlns:a16="http://schemas.microsoft.com/office/drawing/2014/main" id="{E90CAC25-9E28-6DCE-0F4C-D5249E34F75E}"/>
-                  </a:ext>
-                </a:extLst>
-              </p:cNvPr>
-              <p:cNvSpPr txBox="1">
-                <a:spLocks noRot="1" noChangeAspect="1" noMove="1" noResize="1" noEditPoints="1" noAdjustHandles="1" noChangeArrowheads="1" noChangeShapeType="1" noTextEdit="1"/>
-              </p:cNvSpPr>
-              <p:nvPr/>
-            </p:nvSpPr>
-            <p:spPr>
-              <a:xfrm>
-                <a:off x="8849678" y="2412246"/>
-                <a:ext cx="286553" cy="276999"/>
-              </a:xfrm>
-              <a:prstGeom prst="rect">
-                <a:avLst/>
-              </a:prstGeom>
-              <a:blipFill>
-                <a:blip r:embed="rId3"/>
-                <a:stretch>
-                  <a:fillRect l="-16667" r="-4167" b="-18182"/>
-                </a:stretch>
-              </a:blipFill>
-            </p:spPr>
-            <p:txBody>
-              <a:bodyPr/>
-              <a:lstStyle/>
-              <a:p>
-                <a:r>
-                  <a:rPr lang="en-US">
-                    <a:noFill/>
-                  </a:rPr>
-                  <a:t> </a:t>
-                </a:r>
-              </a:p>
-            </p:txBody>
-          </p:sp>
-        </mc:Fallback>
-      </mc:AlternateContent>
-      <mc:AlternateContent xmlns:mc="http://schemas.openxmlformats.org/markup-compatibility/2006">
-        <mc:Choice xmlns:a14="http://schemas.microsoft.com/office/drawing/2010/main" Requires="a14">
-          <p:sp>
-            <p:nvSpPr>
-              <p:cNvPr id="198" name="TextBox 197">
-                <a:extLst>
-                  <a:ext uri="{FF2B5EF4-FFF2-40B4-BE49-F238E27FC236}">
-                    <a16:creationId xmlns:a16="http://schemas.microsoft.com/office/drawing/2014/main" id="{A07F23AA-42CB-FF17-BFFE-0E6F78B107C7}"/>
-                  </a:ext>
-                </a:extLst>
-              </p:cNvPr>
-              <p:cNvSpPr txBox="1"/>
-              <p:nvPr/>
-            </p:nvSpPr>
-            <p:spPr>
-              <a:xfrm>
-                <a:off x="2763174" y="2381100"/>
-                <a:ext cx="252377" cy="276999"/>
-              </a:xfrm>
-              <a:prstGeom prst="rect">
-                <a:avLst/>
-              </a:prstGeom>
-              <a:noFill/>
-            </p:spPr>
-            <p:txBody>
-              <a:bodyPr wrap="none" lIns="0" tIns="0" rIns="0" bIns="0" rtlCol="0">
-                <a:spAutoFit/>
-              </a:bodyPr>
-              <a:lstStyle/>
-              <a:p>
-                <a14:m>
-                  <m:oMathPara xmlns:m="http://schemas.openxmlformats.org/officeDocument/2006/math">
-                    <m:oMathParaPr>
-                      <m:jc m:val="centerGroup"/>
-                    </m:oMathParaPr>
-                    <m:oMath xmlns:m="http://schemas.openxmlformats.org/officeDocument/2006/math">
-                      <m:sSub>
-                        <m:sSubPr>
-                          <m:ctrlPr>
-                            <a:rPr lang="en-US" b="0" i="1" smtClean="0">
-                              <a:latin typeface="Cambria Math" panose="02040503050406030204" pitchFamily="18" charset="0"/>
-                            </a:rPr>
-                          </m:ctrlPr>
-                        </m:sSubPr>
-                        <m:e>
-                          <m:r>
-                            <a:rPr lang="en-US" b="0" i="1" smtClean="0">
-                              <a:latin typeface="Cambria Math" panose="02040503050406030204" pitchFamily="18" charset="0"/>
-                            </a:rPr>
-                            <m:t>𝑆</m:t>
-                          </m:r>
-                        </m:e>
-                        <m:sub>
-                          <m:r>
-                            <a:rPr lang="en-US" b="0" i="1" smtClean="0">
-                              <a:latin typeface="Cambria Math" panose="02040503050406030204" pitchFamily="18" charset="0"/>
-                            </a:rPr>
-                            <m:t>𝑡</m:t>
-                          </m:r>
-                        </m:sub>
-                      </m:sSub>
-                    </m:oMath>
-                  </m:oMathPara>
-                </a14:m>
-                <a:endParaRPr lang="en-US" dirty="0"/>
-              </a:p>
-            </p:txBody>
-          </p:sp>
-        </mc:Choice>
-        <mc:Fallback>
-          <p:sp>
-            <p:nvSpPr>
-              <p:cNvPr id="198" name="TextBox 197">
-                <a:extLst>
-                  <a:ext uri="{FF2B5EF4-FFF2-40B4-BE49-F238E27FC236}">
-                    <a16:creationId xmlns:a16="http://schemas.microsoft.com/office/drawing/2014/main" id="{A07F23AA-42CB-FF17-BFFE-0E6F78B107C7}"/>
-                  </a:ext>
-                </a:extLst>
-              </p:cNvPr>
-              <p:cNvSpPr txBox="1">
-                <a:spLocks noRot="1" noChangeAspect="1" noMove="1" noResize="1" noEditPoints="1" noAdjustHandles="1" noChangeArrowheads="1" noChangeShapeType="1" noTextEdit="1"/>
-              </p:cNvSpPr>
-              <p:nvPr/>
-            </p:nvSpPr>
-            <p:spPr>
-              <a:xfrm>
-                <a:off x="2763174" y="2381100"/>
-                <a:ext cx="252377" cy="276999"/>
-              </a:xfrm>
-              <a:prstGeom prst="rect">
-                <a:avLst/>
-              </a:prstGeom>
-              <a:blipFill>
-                <a:blip r:embed="rId4"/>
-                <a:stretch>
-                  <a:fillRect l="-19048" r="-4762" b="-13043"/>
-                </a:stretch>
-              </a:blipFill>
-            </p:spPr>
-            <p:txBody>
-              <a:bodyPr/>
-              <a:lstStyle/>
-              <a:p>
-                <a:r>
-                  <a:rPr lang="en-US">
-                    <a:noFill/>
-                  </a:rPr>
-                  <a:t> </a:t>
-                </a:r>
-              </a:p>
-            </p:txBody>
-          </p:sp>
-        </mc:Fallback>
-      </mc:AlternateContent>
-      <mc:AlternateContent xmlns:mc="http://schemas.openxmlformats.org/markup-compatibility/2006">
-        <mc:Choice xmlns:a14="http://schemas.microsoft.com/office/drawing/2010/main" Requires="a14">
-          <p:sp>
-            <p:nvSpPr>
-              <p:cNvPr id="199" name="TextBox 198">
-                <a:extLst>
-                  <a:ext uri="{FF2B5EF4-FFF2-40B4-BE49-F238E27FC236}">
-                    <a16:creationId xmlns:a16="http://schemas.microsoft.com/office/drawing/2014/main" id="{D9C6B6FB-7C11-368D-1FA1-1166283CC76C}"/>
-                  </a:ext>
-                </a:extLst>
-              </p:cNvPr>
-              <p:cNvSpPr txBox="1"/>
-              <p:nvPr/>
-            </p:nvSpPr>
-            <p:spPr>
-              <a:xfrm>
-                <a:off x="6857892" y="3432122"/>
-                <a:ext cx="200055" cy="215444"/>
-              </a:xfrm>
-              <a:prstGeom prst="rect">
-                <a:avLst/>
-              </a:prstGeom>
-              <a:noFill/>
-            </p:spPr>
-            <p:txBody>
-              <a:bodyPr wrap="none" lIns="0" tIns="0" rIns="0" bIns="0" rtlCol="0">
-                <a:spAutoFit/>
-              </a:bodyPr>
-              <a:lstStyle/>
-              <a:p>
-                <a14:m>
-                  <m:oMathPara xmlns:m="http://schemas.openxmlformats.org/officeDocument/2006/math">
-                    <m:oMathParaPr>
-                      <m:jc m:val="centerGroup"/>
-                    </m:oMathParaPr>
-                    <m:oMath xmlns:m="http://schemas.openxmlformats.org/officeDocument/2006/math">
-                      <m:sSub>
-                        <m:sSubPr>
-                          <m:ctrlPr>
-                            <a:rPr lang="en-US" sz="1400" b="0" i="1" smtClean="0">
-                              <a:latin typeface="Cambria Math" panose="02040503050406030204" pitchFamily="18" charset="0"/>
-                            </a:rPr>
-                          </m:ctrlPr>
-                        </m:sSubPr>
-                        <m:e>
-                          <m:r>
-                            <a:rPr lang="en-US" sz="1400" b="0" i="1" smtClean="0">
-                              <a:latin typeface="Cambria Math" panose="02040503050406030204" pitchFamily="18" charset="0"/>
-                            </a:rPr>
-                            <m:t>𝑃</m:t>
-                          </m:r>
-                        </m:e>
-                        <m:sub>
-                          <m:r>
-                            <a:rPr lang="en-US" sz="1400" b="0" i="1" smtClean="0">
-                              <a:latin typeface="Cambria Math" panose="02040503050406030204" pitchFamily="18" charset="0"/>
-                            </a:rPr>
-                            <m:t>𝑡</m:t>
-                          </m:r>
-                        </m:sub>
-                      </m:sSub>
-                    </m:oMath>
-                  </m:oMathPara>
-                </a14:m>
-                <a:endParaRPr lang="en-US" dirty="0"/>
-              </a:p>
-            </p:txBody>
-          </p:sp>
-        </mc:Choice>
-        <mc:Fallback>
-          <p:sp>
-            <p:nvSpPr>
-              <p:cNvPr id="199" name="TextBox 198">
-                <a:extLst>
-                  <a:ext uri="{FF2B5EF4-FFF2-40B4-BE49-F238E27FC236}">
-                    <a16:creationId xmlns:a16="http://schemas.microsoft.com/office/drawing/2014/main" id="{D9C6B6FB-7C11-368D-1FA1-1166283CC76C}"/>
-                  </a:ext>
-                </a:extLst>
-              </p:cNvPr>
-              <p:cNvSpPr txBox="1">
-                <a:spLocks noRot="1" noChangeAspect="1" noMove="1" noResize="1" noEditPoints="1" noAdjustHandles="1" noChangeArrowheads="1" noChangeShapeType="1" noTextEdit="1"/>
-              </p:cNvSpPr>
-              <p:nvPr/>
-            </p:nvSpPr>
-            <p:spPr>
-              <a:xfrm>
-                <a:off x="6857892" y="3432122"/>
-                <a:ext cx="200055" cy="215444"/>
-              </a:xfrm>
-              <a:prstGeom prst="rect">
-                <a:avLst/>
-              </a:prstGeom>
-              <a:blipFill>
-                <a:blip r:embed="rId5"/>
-                <a:stretch>
-                  <a:fillRect l="-18750" r="-6250" b="-11111"/>
-                </a:stretch>
-              </a:blipFill>
-            </p:spPr>
-            <p:txBody>
-              <a:bodyPr/>
-              <a:lstStyle/>
-              <a:p>
-                <a:r>
-                  <a:rPr lang="en-US">
-                    <a:noFill/>
-                  </a:rPr>
-                  <a:t> </a:t>
-                </a:r>
-              </a:p>
-            </p:txBody>
-          </p:sp>
-        </mc:Fallback>
-      </mc:AlternateContent>
-      <mc:AlternateContent xmlns:mc="http://schemas.openxmlformats.org/markup-compatibility/2006">
-        <mc:Choice xmlns:a14="http://schemas.microsoft.com/office/drawing/2010/main" Requires="a14">
-          <p:sp>
-            <p:nvSpPr>
-              <p:cNvPr id="200" name="TextBox 199">
-                <a:extLst>
-                  <a:ext uri="{FF2B5EF4-FFF2-40B4-BE49-F238E27FC236}">
-                    <a16:creationId xmlns:a16="http://schemas.microsoft.com/office/drawing/2014/main" id="{91C9A016-A1AA-CFB8-7E82-14EEC8509CAB}"/>
-                  </a:ext>
-                </a:extLst>
-              </p:cNvPr>
-              <p:cNvSpPr txBox="1"/>
-              <p:nvPr/>
-            </p:nvSpPr>
-            <p:spPr>
-              <a:xfrm>
-                <a:off x="5567076" y="3809771"/>
-                <a:ext cx="222560" cy="215444"/>
-              </a:xfrm>
-              <a:prstGeom prst="rect">
-                <a:avLst/>
-              </a:prstGeom>
-              <a:noFill/>
-            </p:spPr>
-            <p:txBody>
-              <a:bodyPr wrap="none" lIns="0" tIns="0" rIns="0" bIns="0" rtlCol="0">
-                <a:spAutoFit/>
-              </a:bodyPr>
-              <a:lstStyle/>
-              <a:p>
-                <a14:m>
-                  <m:oMathPara xmlns:m="http://schemas.openxmlformats.org/officeDocument/2006/math">
-                    <m:oMathParaPr>
-                      <m:jc m:val="centerGroup"/>
-                    </m:oMathParaPr>
-                    <m:oMath xmlns:m="http://schemas.openxmlformats.org/officeDocument/2006/math">
-                      <m:sSub>
-                        <m:sSubPr>
-                          <m:ctrlPr>
-                            <a:rPr lang="en-US" sz="1400" b="0" i="1" smtClean="0">
-                              <a:latin typeface="Cambria Math" panose="02040503050406030204" pitchFamily="18" charset="0"/>
-                            </a:rPr>
-                          </m:ctrlPr>
-                        </m:sSubPr>
-                        <m:e>
-                          <m:r>
-                            <a:rPr lang="en-US" sz="1400" b="0" i="1" smtClean="0">
-                              <a:latin typeface="Cambria Math" panose="02040503050406030204" pitchFamily="18" charset="0"/>
-                            </a:rPr>
-                            <m:t>𝐴</m:t>
-                          </m:r>
-                        </m:e>
-                        <m:sub>
-                          <m:r>
-                            <a:rPr lang="en-US" sz="1400" b="0" i="1" smtClean="0">
-                              <a:latin typeface="Cambria Math" panose="02040503050406030204" pitchFamily="18" charset="0"/>
-                            </a:rPr>
-                            <m:t>𝑡</m:t>
-                          </m:r>
-                        </m:sub>
-                      </m:sSub>
-                    </m:oMath>
-                  </m:oMathPara>
-                </a14:m>
-                <a:endParaRPr lang="en-US" sz="1400" dirty="0"/>
-              </a:p>
-            </p:txBody>
-          </p:sp>
-        </mc:Choice>
-        <mc:Fallback>
-          <p:sp>
-            <p:nvSpPr>
-              <p:cNvPr id="200" name="TextBox 199">
-                <a:extLst>
-                  <a:ext uri="{FF2B5EF4-FFF2-40B4-BE49-F238E27FC236}">
-                    <a16:creationId xmlns:a16="http://schemas.microsoft.com/office/drawing/2014/main" id="{91C9A016-A1AA-CFB8-7E82-14EEC8509CAB}"/>
-                  </a:ext>
-                </a:extLst>
-              </p:cNvPr>
-              <p:cNvSpPr txBox="1">
-                <a:spLocks noRot="1" noChangeAspect="1" noMove="1" noResize="1" noEditPoints="1" noAdjustHandles="1" noChangeArrowheads="1" noChangeShapeType="1" noTextEdit="1"/>
-              </p:cNvSpPr>
-              <p:nvPr/>
-            </p:nvSpPr>
-            <p:spPr>
-              <a:xfrm>
-                <a:off x="5567076" y="3809771"/>
-                <a:ext cx="222560" cy="215444"/>
-              </a:xfrm>
-              <a:prstGeom prst="rect">
-                <a:avLst/>
-              </a:prstGeom>
-              <a:blipFill>
-                <a:blip r:embed="rId6"/>
-                <a:stretch>
-                  <a:fillRect l="-15789" b="-17647"/>
-                </a:stretch>
-              </a:blipFill>
-            </p:spPr>
-            <p:txBody>
-              <a:bodyPr/>
-              <a:lstStyle/>
-              <a:p>
-                <a:r>
-                  <a:rPr lang="en-US">
-                    <a:noFill/>
-                  </a:rPr>
-                  <a:t> </a:t>
-                </a:r>
-              </a:p>
-            </p:txBody>
-          </p:sp>
-        </mc:Fallback>
-      </mc:AlternateContent>
-      <mc:AlternateContent xmlns:mc="http://schemas.openxmlformats.org/markup-compatibility/2006">
-        <mc:Choice xmlns:a14="http://schemas.microsoft.com/office/drawing/2010/main" Requires="a14">
-          <p:sp>
-            <p:nvSpPr>
-              <p:cNvPr id="201" name="TextBox 200">
-                <a:extLst>
-                  <a:ext uri="{FF2B5EF4-FFF2-40B4-BE49-F238E27FC236}">
-                    <a16:creationId xmlns:a16="http://schemas.microsoft.com/office/drawing/2014/main" id="{E494DD57-1BBA-E96C-8329-9898B3B57614}"/>
-                  </a:ext>
-                </a:extLst>
-              </p:cNvPr>
-              <p:cNvSpPr txBox="1"/>
-              <p:nvPr/>
-            </p:nvSpPr>
-            <p:spPr>
-              <a:xfrm>
-                <a:off x="4395836" y="3810724"/>
-                <a:ext cx="781496" cy="215444"/>
-              </a:xfrm>
-              <a:prstGeom prst="rect">
-                <a:avLst/>
-              </a:prstGeom>
-              <a:noFill/>
-            </p:spPr>
-            <p:txBody>
-              <a:bodyPr wrap="none" lIns="0" tIns="0" rIns="0" bIns="0" rtlCol="0">
-                <a:spAutoFit/>
-              </a:bodyPr>
-              <a:lstStyle/>
-              <a:p>
-                <a14:m>
-                  <m:oMathPara xmlns:m="http://schemas.openxmlformats.org/officeDocument/2006/math">
-                    <m:oMathParaPr>
-                      <m:jc m:val="centerGroup"/>
-                    </m:oMathParaPr>
-                    <m:oMath xmlns:m="http://schemas.openxmlformats.org/officeDocument/2006/math">
-                      <m:sSub>
-                        <m:sSubPr>
-                          <m:ctrlPr>
-                            <a:rPr lang="en-US" sz="1400" b="0" i="1" smtClean="0">
-                              <a:latin typeface="Cambria Math" panose="02040503050406030204" pitchFamily="18" charset="0"/>
-                            </a:rPr>
-                          </m:ctrlPr>
-                        </m:sSubPr>
-                        <m:e>
-                          <m:r>
-                            <a:rPr lang="en-US" sz="1400" b="0" i="1" smtClean="0">
-                              <a:latin typeface="Cambria Math" panose="02040503050406030204" pitchFamily="18" charset="0"/>
-                            </a:rPr>
-                            <m:t>𝑆</m:t>
-                          </m:r>
-                        </m:e>
-                        <m:sub>
-                          <m:r>
-                            <a:rPr lang="en-US" sz="1400" b="0" i="1" smtClean="0">
-                              <a:latin typeface="Cambria Math" panose="02040503050406030204" pitchFamily="18" charset="0"/>
-                            </a:rPr>
-                            <m:t>𝑡</m:t>
-                          </m:r>
-                          <m:r>
-                            <a:rPr lang="en-US" sz="1400" b="0" i="1" smtClean="0">
-                              <a:latin typeface="Cambria Math" panose="02040503050406030204" pitchFamily="18" charset="0"/>
-                            </a:rPr>
-                            <m:t>+1</m:t>
-                          </m:r>
-                        </m:sub>
-                      </m:sSub>
-                      <m:r>
-                        <a:rPr lang="en-US" sz="1400" b="0" i="1" smtClean="0">
-                          <a:latin typeface="Cambria Math" panose="02040503050406030204" pitchFamily="18" charset="0"/>
-                        </a:rPr>
-                        <m:t>,</m:t>
-                      </m:r>
-                      <m:sSub>
-                        <m:sSubPr>
-                          <m:ctrlPr>
-                            <a:rPr lang="en-US" sz="1400" b="0" i="1" smtClean="0">
-                              <a:latin typeface="Cambria Math" panose="02040503050406030204" pitchFamily="18" charset="0"/>
-                            </a:rPr>
-                          </m:ctrlPr>
-                        </m:sSubPr>
-                        <m:e>
-                          <m:r>
-                            <a:rPr lang="en-US" sz="1400" b="0" i="1" smtClean="0">
-                              <a:latin typeface="Cambria Math" panose="02040503050406030204" pitchFamily="18" charset="0"/>
-                            </a:rPr>
-                            <m:t>𝑅</m:t>
-                          </m:r>
-                        </m:e>
-                        <m:sub>
-                          <m:r>
-                            <a:rPr lang="en-US" sz="1400" b="0" i="1" smtClean="0">
-                              <a:latin typeface="Cambria Math" panose="02040503050406030204" pitchFamily="18" charset="0"/>
-                            </a:rPr>
-                            <m:t>𝑡</m:t>
-                          </m:r>
-                          <m:r>
-                            <a:rPr lang="en-US" sz="1400" b="0" i="1" smtClean="0">
-                              <a:latin typeface="Cambria Math" panose="02040503050406030204" pitchFamily="18" charset="0"/>
-                            </a:rPr>
-                            <m:t>+1</m:t>
-                          </m:r>
-                        </m:sub>
-                      </m:sSub>
-                    </m:oMath>
-                  </m:oMathPara>
-                </a14:m>
-                <a:endParaRPr lang="en-US" sz="1400" dirty="0"/>
-              </a:p>
-            </p:txBody>
-          </p:sp>
-        </mc:Choice>
-        <mc:Fallback>
-          <p:sp>
-            <p:nvSpPr>
-              <p:cNvPr id="201" name="TextBox 200">
-                <a:extLst>
-                  <a:ext uri="{FF2B5EF4-FFF2-40B4-BE49-F238E27FC236}">
-                    <a16:creationId xmlns:a16="http://schemas.microsoft.com/office/drawing/2014/main" id="{E494DD57-1BBA-E96C-8329-9898B3B57614}"/>
-                  </a:ext>
-                </a:extLst>
-              </p:cNvPr>
-              <p:cNvSpPr txBox="1">
-                <a:spLocks noRot="1" noChangeAspect="1" noMove="1" noResize="1" noEditPoints="1" noAdjustHandles="1" noChangeArrowheads="1" noChangeShapeType="1" noTextEdit="1"/>
-              </p:cNvSpPr>
-              <p:nvPr/>
-            </p:nvSpPr>
-            <p:spPr>
-              <a:xfrm>
-                <a:off x="4395836" y="3810724"/>
-                <a:ext cx="781496" cy="215444"/>
-              </a:xfrm>
-              <a:prstGeom prst="rect">
-                <a:avLst/>
-              </a:prstGeom>
-              <a:blipFill>
-                <a:blip r:embed="rId7"/>
-                <a:stretch>
-                  <a:fillRect l="-4839" r="-1613" b="-17647"/>
-                </a:stretch>
-              </a:blipFill>
-            </p:spPr>
-            <p:txBody>
-              <a:bodyPr/>
-              <a:lstStyle/>
-              <a:p>
-                <a:r>
-                  <a:rPr lang="en-US">
-                    <a:noFill/>
-                  </a:rPr>
-                  <a:t> </a:t>
-                </a:r>
-              </a:p>
-            </p:txBody>
-          </p:sp>
-        </mc:Fallback>
-      </mc:AlternateContent>
-      <p:cxnSp>
-        <p:nvCxnSpPr>
-          <p:cNvPr id="204" name="Straight Connector 203">
-            <a:extLst>
-              <a:ext uri="{FF2B5EF4-FFF2-40B4-BE49-F238E27FC236}">
-                <a16:creationId xmlns:a16="http://schemas.microsoft.com/office/drawing/2014/main" id="{11D8F9AA-666E-1591-7496-EA01614132FD}"/>
-              </a:ext>
-            </a:extLst>
-          </p:cNvPr>
-          <p:cNvCxnSpPr>
-            <a:cxnSpLocks/>
-          </p:cNvCxnSpPr>
-          <p:nvPr/>
-        </p:nvCxnSpPr>
-        <p:spPr>
-          <a:xfrm flipH="1">
-            <a:off x="3344534" y="3146012"/>
-            <a:ext cx="1530072" cy="0"/>
-          </a:xfrm>
-          <a:prstGeom prst="line">
-            <a:avLst/>
-          </a:prstGeom>
-          <a:ln w="19050">
-            <a:solidFill>
-              <a:schemeClr val="tx1"/>
-            </a:solidFill>
-          </a:ln>
-        </p:spPr>
-        <p:style>
-          <a:lnRef idx="1">
-            <a:schemeClr val="accent1"/>
-          </a:lnRef>
-          <a:fillRef idx="0">
-            <a:schemeClr val="accent1"/>
-          </a:fillRef>
-          <a:effectRef idx="0">
-            <a:schemeClr val="accent1"/>
-          </a:effectRef>
-          <a:fontRef idx="minor">
-            <a:schemeClr val="tx1"/>
-          </a:fontRef>
-        </p:style>
-      </p:cxnSp>
-      <p:cxnSp>
-        <p:nvCxnSpPr>
-          <p:cNvPr id="205" name="Straight Connector 204">
-            <a:extLst>
-              <a:ext uri="{FF2B5EF4-FFF2-40B4-BE49-F238E27FC236}">
-                <a16:creationId xmlns:a16="http://schemas.microsoft.com/office/drawing/2014/main" id="{BE68E79B-DB8E-DF60-ACF5-AB10C1F2ACC3}"/>
-              </a:ext>
-            </a:extLst>
-          </p:cNvPr>
-          <p:cNvCxnSpPr>
-            <a:cxnSpLocks/>
-          </p:cNvCxnSpPr>
-          <p:nvPr/>
-        </p:nvCxnSpPr>
-        <p:spPr>
-          <a:xfrm flipV="1">
-            <a:off x="5166019" y="3601730"/>
-            <a:ext cx="0" cy="518801"/>
-          </a:xfrm>
-          <a:prstGeom prst="line">
-            <a:avLst/>
-          </a:prstGeom>
-          <a:ln w="28575">
-            <a:solidFill>
-              <a:schemeClr val="tx1"/>
-            </a:solidFill>
-            <a:headEnd type="none" w="med" len="med"/>
-            <a:tailEnd type="triangle" w="med" len="med"/>
-          </a:ln>
-        </p:spPr>
-        <p:style>
-          <a:lnRef idx="1">
-            <a:schemeClr val="accent1"/>
-          </a:lnRef>
-          <a:fillRef idx="0">
-            <a:schemeClr val="accent1"/>
-          </a:fillRef>
-          <a:effectRef idx="0">
-            <a:schemeClr val="accent1"/>
-          </a:effectRef>
-          <a:fontRef idx="minor">
-            <a:schemeClr val="tx1"/>
-          </a:fontRef>
-        </p:style>
-      </p:cxnSp>
-      <p:cxnSp>
-        <p:nvCxnSpPr>
-          <p:cNvPr id="213" name="Straight Connector 212">
-            <a:extLst>
-              <a:ext uri="{FF2B5EF4-FFF2-40B4-BE49-F238E27FC236}">
-                <a16:creationId xmlns:a16="http://schemas.microsoft.com/office/drawing/2014/main" id="{E18702C9-77B5-FF72-424A-DE46F638C321}"/>
-              </a:ext>
-            </a:extLst>
-          </p:cNvPr>
-          <p:cNvCxnSpPr>
-            <a:cxnSpLocks/>
-          </p:cNvCxnSpPr>
-          <p:nvPr/>
-        </p:nvCxnSpPr>
-        <p:spPr>
-          <a:xfrm>
-            <a:off x="3334278" y="1894225"/>
-            <a:ext cx="0" cy="1260000"/>
-          </a:xfrm>
-          <a:prstGeom prst="line">
-            <a:avLst/>
-          </a:prstGeom>
-          <a:ln w="19050">
-            <a:solidFill>
-              <a:schemeClr val="tx1"/>
-            </a:solidFill>
-          </a:ln>
-        </p:spPr>
-        <p:style>
-          <a:lnRef idx="1">
-            <a:schemeClr val="accent1"/>
-          </a:lnRef>
-          <a:fillRef idx="0">
-            <a:schemeClr val="accent1"/>
-          </a:fillRef>
-          <a:effectRef idx="0">
-            <a:schemeClr val="accent1"/>
-          </a:effectRef>
-          <a:fontRef idx="minor">
-            <a:schemeClr val="tx1"/>
-          </a:fontRef>
-        </p:style>
-      </p:cxnSp>
-      <p:cxnSp>
-        <p:nvCxnSpPr>
-          <p:cNvPr id="216" name="Straight Connector 215">
-            <a:extLst>
-              <a:ext uri="{FF2B5EF4-FFF2-40B4-BE49-F238E27FC236}">
-                <a16:creationId xmlns:a16="http://schemas.microsoft.com/office/drawing/2014/main" id="{66263BAC-5DE0-8D39-891B-377C9BFB0C49}"/>
-              </a:ext>
-            </a:extLst>
-          </p:cNvPr>
-          <p:cNvCxnSpPr>
-            <a:cxnSpLocks/>
-          </p:cNvCxnSpPr>
-          <p:nvPr/>
-        </p:nvCxnSpPr>
-        <p:spPr>
-          <a:xfrm flipH="1">
-            <a:off x="3344534" y="1903751"/>
-            <a:ext cx="412202" cy="0"/>
-          </a:xfrm>
-          <a:prstGeom prst="line">
-            <a:avLst/>
-          </a:prstGeom>
-          <a:ln w="19050">
-            <a:solidFill>
-              <a:schemeClr val="tx1"/>
-            </a:solidFill>
-            <a:headEnd type="triangle" w="med" len="med"/>
-            <a:tailEnd type="none" w="med" len="med"/>
-          </a:ln>
-        </p:spPr>
-        <p:style>
-          <a:lnRef idx="1">
-            <a:schemeClr val="accent1"/>
-          </a:lnRef>
-          <a:fillRef idx="0">
-            <a:schemeClr val="accent1"/>
-          </a:fillRef>
-          <a:effectRef idx="0">
-            <a:schemeClr val="accent1"/>
-          </a:effectRef>
-          <a:fontRef idx="minor">
-            <a:schemeClr val="tx1"/>
-          </a:fontRef>
-        </p:style>
-      </p:cxnSp>
-      <p:cxnSp>
-        <p:nvCxnSpPr>
-          <p:cNvPr id="220" name="Straight Connector 219">
-            <a:extLst>
-              <a:ext uri="{FF2B5EF4-FFF2-40B4-BE49-F238E27FC236}">
-                <a16:creationId xmlns:a16="http://schemas.microsoft.com/office/drawing/2014/main" id="{4C269B3E-7C18-EE50-E269-98A1DE73508D}"/>
-              </a:ext>
-            </a:extLst>
-          </p:cNvPr>
-          <p:cNvCxnSpPr>
-            <a:cxnSpLocks/>
-          </p:cNvCxnSpPr>
-          <p:nvPr/>
-        </p:nvCxnSpPr>
-        <p:spPr>
-          <a:xfrm>
-            <a:off x="4318632" y="2969655"/>
-            <a:ext cx="0" cy="587557"/>
-          </a:xfrm>
-          <a:prstGeom prst="line">
-            <a:avLst/>
-          </a:prstGeom>
-          <a:ln w="12700">
-            <a:solidFill>
-              <a:schemeClr val="tx1"/>
-            </a:solidFill>
-            <a:prstDash val="dash"/>
-          </a:ln>
-        </p:spPr>
-        <p:style>
-          <a:lnRef idx="1">
-            <a:schemeClr val="accent1"/>
-          </a:lnRef>
-          <a:fillRef idx="0">
-            <a:schemeClr val="accent1"/>
-          </a:fillRef>
-          <a:effectRef idx="0">
-            <a:schemeClr val="accent1"/>
-          </a:effectRef>
-          <a:fontRef idx="minor">
-            <a:schemeClr val="tx1"/>
-          </a:fontRef>
-        </p:style>
-      </p:cxnSp>
-      <mc:AlternateContent xmlns:mc="http://schemas.openxmlformats.org/markup-compatibility/2006">
-        <mc:Choice xmlns:a14="http://schemas.microsoft.com/office/drawing/2010/main" Requires="a14">
-          <p:sp>
-            <p:nvSpPr>
-              <p:cNvPr id="223" name="TextBox 222">
-                <a:extLst>
-                  <a:ext uri="{FF2B5EF4-FFF2-40B4-BE49-F238E27FC236}">
-                    <a16:creationId xmlns:a16="http://schemas.microsoft.com/office/drawing/2014/main" id="{584BAD20-3A15-7792-141C-3E873300DE11}"/>
-                  </a:ext>
-                </a:extLst>
-              </p:cNvPr>
-              <p:cNvSpPr txBox="1"/>
-              <p:nvPr/>
-            </p:nvSpPr>
-            <p:spPr>
-              <a:xfrm>
-                <a:off x="3378947" y="2391665"/>
-                <a:ext cx="284180" cy="276999"/>
-              </a:xfrm>
-              <a:prstGeom prst="rect">
-                <a:avLst/>
-              </a:prstGeom>
-              <a:noFill/>
-            </p:spPr>
-            <p:txBody>
-              <a:bodyPr wrap="none" lIns="0" tIns="0" rIns="0" bIns="0" rtlCol="0">
-                <a:spAutoFit/>
-              </a:bodyPr>
-              <a:lstStyle/>
-              <a:p>
-                <a14:m>
-                  <m:oMathPara xmlns:m="http://schemas.openxmlformats.org/officeDocument/2006/math">
-                    <m:oMathParaPr>
-                      <m:jc m:val="centerGroup"/>
-                    </m:oMathParaPr>
-                    <m:oMath xmlns:m="http://schemas.openxmlformats.org/officeDocument/2006/math">
-                      <m:sSub>
-                        <m:sSubPr>
-                          <m:ctrlPr>
-                            <a:rPr lang="en-US" b="0" i="1" smtClean="0">
-                              <a:latin typeface="Cambria Math" panose="02040503050406030204" pitchFamily="18" charset="0"/>
-                            </a:rPr>
-                          </m:ctrlPr>
-                        </m:sSubPr>
-                        <m:e>
-                          <m:r>
-                            <a:rPr lang="en-US" b="0" i="1" smtClean="0">
-                              <a:latin typeface="Cambria Math" panose="02040503050406030204" pitchFamily="18" charset="0"/>
-                            </a:rPr>
-                            <m:t>𝑅</m:t>
-                          </m:r>
-                        </m:e>
-                        <m:sub>
-                          <m:r>
-                            <a:rPr lang="en-US" b="0" i="1" smtClean="0">
-                              <a:latin typeface="Cambria Math" panose="02040503050406030204" pitchFamily="18" charset="0"/>
-                            </a:rPr>
-                            <m:t>𝑡</m:t>
-                          </m:r>
-                        </m:sub>
-                      </m:sSub>
-                    </m:oMath>
-                  </m:oMathPara>
-                </a14:m>
-                <a:endParaRPr lang="en-US" dirty="0"/>
-              </a:p>
-            </p:txBody>
-          </p:sp>
-        </mc:Choice>
-        <mc:Fallback>
-          <p:sp>
-            <p:nvSpPr>
-              <p:cNvPr id="223" name="TextBox 222">
-                <a:extLst>
-                  <a:ext uri="{FF2B5EF4-FFF2-40B4-BE49-F238E27FC236}">
-                    <a16:creationId xmlns:a16="http://schemas.microsoft.com/office/drawing/2014/main" id="{584BAD20-3A15-7792-141C-3E873300DE11}"/>
-                  </a:ext>
-                </a:extLst>
-              </p:cNvPr>
-              <p:cNvSpPr txBox="1">
-                <a:spLocks noRot="1" noChangeAspect="1" noMove="1" noResize="1" noEditPoints="1" noAdjustHandles="1" noChangeArrowheads="1" noChangeShapeType="1" noTextEdit="1"/>
-              </p:cNvSpPr>
-              <p:nvPr/>
-            </p:nvSpPr>
-            <p:spPr>
-              <a:xfrm>
-                <a:off x="3378947" y="2391665"/>
-                <a:ext cx="284180" cy="276999"/>
-              </a:xfrm>
-              <a:prstGeom prst="rect">
-                <a:avLst/>
-              </a:prstGeom>
-              <a:blipFill>
-                <a:blip r:embed="rId8"/>
-                <a:stretch>
-                  <a:fillRect l="-12500" r="-4167" b="-13043"/>
-                </a:stretch>
-              </a:blipFill>
-            </p:spPr>
-            <p:txBody>
-              <a:bodyPr/>
-              <a:lstStyle/>
-              <a:p>
-                <a:r>
-                  <a:rPr lang="en-US">
-                    <a:noFill/>
-                  </a:rPr>
-                  <a:t> </a:t>
-                </a:r>
-              </a:p>
-            </p:txBody>
-          </p:sp>
-        </mc:Fallback>
-      </mc:AlternateContent>
-      <mc:AlternateContent xmlns:mc="http://schemas.openxmlformats.org/markup-compatibility/2006">
-        <mc:Choice xmlns:a14="http://schemas.microsoft.com/office/drawing/2010/main" Requires="a14">
-          <p:sp>
-            <p:nvSpPr>
-              <p:cNvPr id="224" name="TextBox 223">
-                <a:extLst>
-                  <a:ext uri="{FF2B5EF4-FFF2-40B4-BE49-F238E27FC236}">
-                    <a16:creationId xmlns:a16="http://schemas.microsoft.com/office/drawing/2014/main" id="{B5A5C830-EFDD-BCA9-7DF7-360050A96C76}"/>
-                  </a:ext>
-                </a:extLst>
-              </p:cNvPr>
-              <p:cNvSpPr txBox="1"/>
-              <p:nvPr/>
-            </p:nvSpPr>
-            <p:spPr>
-              <a:xfrm>
-                <a:off x="4361755" y="3361329"/>
-                <a:ext cx="471989" cy="276999"/>
-              </a:xfrm>
-              <a:prstGeom prst="rect">
-                <a:avLst/>
-              </a:prstGeom>
-              <a:noFill/>
-            </p:spPr>
-            <p:txBody>
-              <a:bodyPr wrap="none" lIns="0" tIns="0" rIns="0" bIns="0" rtlCol="0">
-                <a:spAutoFit/>
-              </a:bodyPr>
-              <a:lstStyle/>
-              <a:p>
-                <a14:m>
-                  <m:oMathPara xmlns:m="http://schemas.openxmlformats.org/officeDocument/2006/math">
-                    <m:oMathParaPr>
-                      <m:jc m:val="centerGroup"/>
-                    </m:oMathParaPr>
-                    <m:oMath xmlns:m="http://schemas.openxmlformats.org/officeDocument/2006/math">
-                      <m:sSub>
-                        <m:sSubPr>
-                          <m:ctrlPr>
-                            <a:rPr lang="en-US" b="0" i="1" smtClean="0">
-                              <a:latin typeface="Cambria Math" panose="02040503050406030204" pitchFamily="18" charset="0"/>
-                            </a:rPr>
-                          </m:ctrlPr>
-                        </m:sSubPr>
-                        <m:e>
-                          <m:r>
-                            <a:rPr lang="en-US" b="0" i="1" smtClean="0">
-                              <a:latin typeface="Cambria Math" panose="02040503050406030204" pitchFamily="18" charset="0"/>
-                            </a:rPr>
-                            <m:t>𝑆</m:t>
-                          </m:r>
-                        </m:e>
-                        <m:sub>
-                          <m:r>
-                            <a:rPr lang="en-US" b="0" i="1" smtClean="0">
-                              <a:latin typeface="Cambria Math" panose="02040503050406030204" pitchFamily="18" charset="0"/>
-                            </a:rPr>
-                            <m:t>𝑡</m:t>
-                          </m:r>
-                          <m:r>
-                            <a:rPr lang="en-US" b="0" i="1" smtClean="0">
-                              <a:latin typeface="Cambria Math" panose="02040503050406030204" pitchFamily="18" charset="0"/>
-                            </a:rPr>
-                            <m:t>+1</m:t>
-                          </m:r>
-                        </m:sub>
-                      </m:sSub>
-                    </m:oMath>
-                  </m:oMathPara>
-                </a14:m>
-                <a:endParaRPr lang="en-US" dirty="0"/>
-              </a:p>
-            </p:txBody>
-          </p:sp>
-        </mc:Choice>
-        <mc:Fallback>
-          <p:sp>
-            <p:nvSpPr>
-              <p:cNvPr id="224" name="TextBox 223">
-                <a:extLst>
-                  <a:ext uri="{FF2B5EF4-FFF2-40B4-BE49-F238E27FC236}">
-                    <a16:creationId xmlns:a16="http://schemas.microsoft.com/office/drawing/2014/main" id="{B5A5C830-EFDD-BCA9-7DF7-360050A96C76}"/>
-                  </a:ext>
-                </a:extLst>
-              </p:cNvPr>
-              <p:cNvSpPr txBox="1">
-                <a:spLocks noRot="1" noChangeAspect="1" noMove="1" noResize="1" noEditPoints="1" noAdjustHandles="1" noChangeArrowheads="1" noChangeShapeType="1" noTextEdit="1"/>
-              </p:cNvSpPr>
-              <p:nvPr/>
-            </p:nvSpPr>
-            <p:spPr>
-              <a:xfrm>
-                <a:off x="4361755" y="3361329"/>
-                <a:ext cx="471989" cy="276999"/>
-              </a:xfrm>
-              <a:prstGeom prst="rect">
-                <a:avLst/>
-              </a:prstGeom>
-              <a:blipFill>
-                <a:blip r:embed="rId9"/>
-                <a:stretch>
-                  <a:fillRect l="-10526" r="-2632" b="-13043"/>
-                </a:stretch>
-              </a:blipFill>
-            </p:spPr>
-            <p:txBody>
-              <a:bodyPr/>
-              <a:lstStyle/>
-              <a:p>
-                <a:r>
-                  <a:rPr lang="en-US">
-                    <a:noFill/>
-                  </a:rPr>
-                  <a:t> </a:t>
-                </a:r>
-              </a:p>
-            </p:txBody>
-          </p:sp>
-        </mc:Fallback>
-      </mc:AlternateContent>
-      <mc:AlternateContent xmlns:mc="http://schemas.openxmlformats.org/markup-compatibility/2006">
-        <mc:Choice xmlns:a14="http://schemas.microsoft.com/office/drawing/2010/main" Requires="a14">
-          <p:sp>
-            <p:nvSpPr>
-              <p:cNvPr id="225" name="TextBox 224">
-                <a:extLst>
-                  <a:ext uri="{FF2B5EF4-FFF2-40B4-BE49-F238E27FC236}">
-                    <a16:creationId xmlns:a16="http://schemas.microsoft.com/office/drawing/2014/main" id="{BE42D6BB-8A42-4FD3-FB1C-D9C5CC37F3F4}"/>
-                  </a:ext>
-                </a:extLst>
-              </p:cNvPr>
-              <p:cNvSpPr txBox="1"/>
-              <p:nvPr/>
-            </p:nvSpPr>
-            <p:spPr>
-              <a:xfrm>
-                <a:off x="4342166" y="2849321"/>
-                <a:ext cx="503792" cy="276999"/>
-              </a:xfrm>
-              <a:prstGeom prst="rect">
-                <a:avLst/>
-              </a:prstGeom>
-              <a:noFill/>
-            </p:spPr>
-            <p:txBody>
-              <a:bodyPr wrap="none" lIns="0" tIns="0" rIns="0" bIns="0" rtlCol="0">
-                <a:spAutoFit/>
-              </a:bodyPr>
-              <a:lstStyle/>
-              <a:p>
-                <a14:m>
-                  <m:oMathPara xmlns:m="http://schemas.openxmlformats.org/officeDocument/2006/math">
-                    <m:oMathParaPr>
-                      <m:jc m:val="centerGroup"/>
-                    </m:oMathParaPr>
-                    <m:oMath xmlns:m="http://schemas.openxmlformats.org/officeDocument/2006/math">
-                      <m:sSub>
-                        <m:sSubPr>
-                          <m:ctrlPr>
-                            <a:rPr lang="en-US" b="0" i="1" smtClean="0">
-                              <a:latin typeface="Cambria Math" panose="02040503050406030204" pitchFamily="18" charset="0"/>
-                            </a:rPr>
-                          </m:ctrlPr>
-                        </m:sSubPr>
-                        <m:e>
-                          <m:r>
-                            <a:rPr lang="en-US" b="0" i="1" smtClean="0">
-                              <a:latin typeface="Cambria Math" panose="02040503050406030204" pitchFamily="18" charset="0"/>
-                            </a:rPr>
-                            <m:t>𝑅</m:t>
-                          </m:r>
-                        </m:e>
-                        <m:sub>
-                          <m:r>
-                            <a:rPr lang="en-US" b="0" i="1" smtClean="0">
-                              <a:latin typeface="Cambria Math" panose="02040503050406030204" pitchFamily="18" charset="0"/>
-                            </a:rPr>
-                            <m:t>𝑡</m:t>
-                          </m:r>
-                          <m:r>
-                            <a:rPr lang="en-US" b="0" i="1" smtClean="0">
-                              <a:latin typeface="Cambria Math" panose="02040503050406030204" pitchFamily="18" charset="0"/>
-                            </a:rPr>
-                            <m:t>+1</m:t>
-                          </m:r>
-                        </m:sub>
-                      </m:sSub>
-                    </m:oMath>
-                  </m:oMathPara>
-                </a14:m>
-                <a:endParaRPr lang="en-US" dirty="0"/>
-              </a:p>
-            </p:txBody>
-          </p:sp>
-        </mc:Choice>
-        <mc:Fallback>
-          <p:sp>
-            <p:nvSpPr>
-              <p:cNvPr id="225" name="TextBox 224">
-                <a:extLst>
-                  <a:ext uri="{FF2B5EF4-FFF2-40B4-BE49-F238E27FC236}">
-                    <a16:creationId xmlns:a16="http://schemas.microsoft.com/office/drawing/2014/main" id="{BE42D6BB-8A42-4FD3-FB1C-D9C5CC37F3F4}"/>
-                  </a:ext>
-                </a:extLst>
-              </p:cNvPr>
-              <p:cNvSpPr txBox="1">
-                <a:spLocks noRot="1" noChangeAspect="1" noMove="1" noResize="1" noEditPoints="1" noAdjustHandles="1" noChangeArrowheads="1" noChangeShapeType="1" noTextEdit="1"/>
-              </p:cNvSpPr>
-              <p:nvPr/>
-            </p:nvSpPr>
-            <p:spPr>
-              <a:xfrm>
-                <a:off x="4342166" y="2849321"/>
-                <a:ext cx="503792" cy="276999"/>
-              </a:xfrm>
-              <a:prstGeom prst="rect">
-                <a:avLst/>
-              </a:prstGeom>
-              <a:blipFill>
-                <a:blip r:embed="rId10"/>
-                <a:stretch>
-                  <a:fillRect l="-9756" r="-2439" b="-13043"/>
-                </a:stretch>
-              </a:blipFill>
-            </p:spPr>
-            <p:txBody>
-              <a:bodyPr/>
-              <a:lstStyle/>
-              <a:p>
-                <a:r>
-                  <a:rPr lang="en-US">
-                    <a:noFill/>
-                  </a:rPr>
-                  <a:t> </a:t>
-                </a:r>
-              </a:p>
-            </p:txBody>
-          </p:sp>
-        </mc:Fallback>
-      </mc:AlternateContent>
-    </p:spTree>
-    <p:extLst>
-      <p:ext uri="{BB962C8B-B14F-4D97-AF65-F5344CB8AC3E}">
-        <p14:creationId xmlns:p14="http://schemas.microsoft.com/office/powerpoint/2010/main" val="927266003"/>
-      </p:ext>
-    </p:extLst>
-  </p:cSld>
-  <p:clrMapOvr>
-    <a:masterClrMapping/>
-  </p:clrMapOvr>
-</p:sld>
-</file>
-
 <file path=ppt/theme/theme1.xml><?xml version="1.0" encoding="utf-8"?>
 <a:theme xmlns:a="http://schemas.openxmlformats.org/drawingml/2006/main" name="Office Theme">
   <a:themeElements>
